--- a/Figures/MergeCluster/Naive.pptx
+++ b/Figures/MergeCluster/Naive.pptx
@@ -270,7 +270,7 @@
           <a:p>
             <a:fld id="{A998DA84-98B5-DD46-882D-8C2847B204BE}" type="datetimeFigureOut">
               <a:rPr lang="en-US" smtClean="0"/>
-              <a:t>2/22/24</a:t>
+              <a:t>2/29/24</a:t>
             </a:fld>
             <a:endParaRPr lang="en-US"/>
           </a:p>
@@ -468,7 +468,7 @@
           <a:p>
             <a:fld id="{A998DA84-98B5-DD46-882D-8C2847B204BE}" type="datetimeFigureOut">
               <a:rPr lang="en-US" smtClean="0"/>
-              <a:t>2/22/24</a:t>
+              <a:t>2/29/24</a:t>
             </a:fld>
             <a:endParaRPr lang="en-US"/>
           </a:p>
@@ -676,7 +676,7 @@
           <a:p>
             <a:fld id="{A998DA84-98B5-DD46-882D-8C2847B204BE}" type="datetimeFigureOut">
               <a:rPr lang="en-US" smtClean="0"/>
-              <a:t>2/22/24</a:t>
+              <a:t>2/29/24</a:t>
             </a:fld>
             <a:endParaRPr lang="en-US"/>
           </a:p>
@@ -874,7 +874,7 @@
           <a:p>
             <a:fld id="{A998DA84-98B5-DD46-882D-8C2847B204BE}" type="datetimeFigureOut">
               <a:rPr lang="en-US" smtClean="0"/>
-              <a:t>2/22/24</a:t>
+              <a:t>2/29/24</a:t>
             </a:fld>
             <a:endParaRPr lang="en-US"/>
           </a:p>
@@ -1149,7 +1149,7 @@
           <a:p>
             <a:fld id="{A998DA84-98B5-DD46-882D-8C2847B204BE}" type="datetimeFigureOut">
               <a:rPr lang="en-US" smtClean="0"/>
-              <a:t>2/22/24</a:t>
+              <a:t>2/29/24</a:t>
             </a:fld>
             <a:endParaRPr lang="en-US"/>
           </a:p>
@@ -1414,7 +1414,7 @@
           <a:p>
             <a:fld id="{A998DA84-98B5-DD46-882D-8C2847B204BE}" type="datetimeFigureOut">
               <a:rPr lang="en-US" smtClean="0"/>
-              <a:t>2/22/24</a:t>
+              <a:t>2/29/24</a:t>
             </a:fld>
             <a:endParaRPr lang="en-US"/>
           </a:p>
@@ -1826,7 +1826,7 @@
           <a:p>
             <a:fld id="{A998DA84-98B5-DD46-882D-8C2847B204BE}" type="datetimeFigureOut">
               <a:rPr lang="en-US" smtClean="0"/>
-              <a:t>2/22/24</a:t>
+              <a:t>2/29/24</a:t>
             </a:fld>
             <a:endParaRPr lang="en-US"/>
           </a:p>
@@ -1967,7 +1967,7 @@
           <a:p>
             <a:fld id="{A998DA84-98B5-DD46-882D-8C2847B204BE}" type="datetimeFigureOut">
               <a:rPr lang="en-US" smtClean="0"/>
-              <a:t>2/22/24</a:t>
+              <a:t>2/29/24</a:t>
             </a:fld>
             <a:endParaRPr lang="en-US"/>
           </a:p>
@@ -2080,7 +2080,7 @@
           <a:p>
             <a:fld id="{A998DA84-98B5-DD46-882D-8C2847B204BE}" type="datetimeFigureOut">
               <a:rPr lang="en-US" smtClean="0"/>
-              <a:t>2/22/24</a:t>
+              <a:t>2/29/24</a:t>
             </a:fld>
             <a:endParaRPr lang="en-US"/>
           </a:p>
@@ -2391,7 +2391,7 @@
           <a:p>
             <a:fld id="{A998DA84-98B5-DD46-882D-8C2847B204BE}" type="datetimeFigureOut">
               <a:rPr lang="en-US" smtClean="0"/>
-              <a:t>2/22/24</a:t>
+              <a:t>2/29/24</a:t>
             </a:fld>
             <a:endParaRPr lang="en-US"/>
           </a:p>
@@ -2679,7 +2679,7 @@
           <a:p>
             <a:fld id="{A998DA84-98B5-DD46-882D-8C2847B204BE}" type="datetimeFigureOut">
               <a:rPr lang="en-US" smtClean="0"/>
-              <a:t>2/22/24</a:t>
+              <a:t>2/29/24</a:t>
             </a:fld>
             <a:endParaRPr lang="en-US"/>
           </a:p>
@@ -2920,7 +2920,7 @@
           <a:p>
             <a:fld id="{A998DA84-98B5-DD46-882D-8C2847B204BE}" type="datetimeFigureOut">
               <a:rPr lang="en-US" smtClean="0"/>
-              <a:t>2/22/24</a:t>
+              <a:t>2/29/24</a:t>
             </a:fld>
             <a:endParaRPr lang="en-US"/>
           </a:p>
@@ -3359,6 +3359,8 @@
           </a:prstGeom>
           <a:solidFill>
             <a:schemeClr val="accent2">
+              <a:lumMod val="60000"/>
+              <a:lumOff val="40000"/>
               <a:alpha val="50000"/>
             </a:schemeClr>
           </a:solidFill>
@@ -3444,6 +3446,59 @@
       </p:sp>
       <p:sp>
         <p:nvSpPr>
+          <p:cNvPr id="127" name="Oval 126">
+            <a:extLst>
+              <a:ext uri="{FF2B5EF4-FFF2-40B4-BE49-F238E27FC236}">
+                <a16:creationId xmlns:a16="http://schemas.microsoft.com/office/drawing/2014/main" id="{B56AB48F-1C50-B49F-49E9-05B8CA951504}"/>
+              </a:ext>
+            </a:extLst>
+          </p:cNvPr>
+          <p:cNvSpPr/>
+          <p:nvPr/>
+        </p:nvSpPr>
+        <p:spPr>
+          <a:xfrm>
+            <a:off x="6429667" y="1925962"/>
+            <a:ext cx="1929615" cy="2235605"/>
+          </a:xfrm>
+          <a:prstGeom prst="ellipse">
+            <a:avLst/>
+          </a:prstGeom>
+          <a:solidFill>
+            <a:schemeClr val="accent4">
+              <a:lumMod val="50000"/>
+              <a:alpha val="70000"/>
+            </a:schemeClr>
+          </a:solidFill>
+          <a:ln>
+            <a:noFill/>
+          </a:ln>
+        </p:spPr>
+        <p:style>
+          <a:lnRef idx="0">
+            <a:scrgbClr r="0" g="0" b="0"/>
+          </a:lnRef>
+          <a:fillRef idx="0">
+            <a:scrgbClr r="0" g="0" b="0"/>
+          </a:fillRef>
+          <a:effectRef idx="0">
+            <a:scrgbClr r="0" g="0" b="0"/>
+          </a:effectRef>
+          <a:fontRef idx="minor">
+            <a:schemeClr val="lt1"/>
+          </a:fontRef>
+        </p:style>
+        <p:txBody>
+          <a:bodyPr rtlCol="0" anchor="ctr"/>
+          <a:lstStyle/>
+          <a:p>
+            <a:pPr algn="ctr"/>
+            <a:endParaRPr lang="en-US"/>
+          </a:p>
+        </p:txBody>
+      </p:sp>
+      <p:sp>
+        <p:nvSpPr>
           <p:cNvPr id="4" name="Oval 3">
             <a:extLst>
               <a:ext uri="{FF2B5EF4-FFF2-40B4-BE49-F238E27FC236}">
@@ -3462,6 +3517,11 @@
           <a:prstGeom prst="ellipse">
             <a:avLst/>
           </a:prstGeom>
+          <a:solidFill>
+            <a:schemeClr val="accent4">
+              <a:lumMod val="50000"/>
+            </a:schemeClr>
+          </a:solidFill>
         </p:spPr>
         <p:style>
           <a:lnRef idx="2">
@@ -3508,6 +3568,11 @@
           <a:prstGeom prst="ellipse">
             <a:avLst/>
           </a:prstGeom>
+          <a:solidFill>
+            <a:schemeClr val="accent4">
+              <a:lumMod val="50000"/>
+            </a:schemeClr>
+          </a:solidFill>
         </p:spPr>
         <p:style>
           <a:lnRef idx="2">
@@ -3555,7 +3620,10 @@
             <a:avLst/>
           </a:prstGeom>
           <a:solidFill>
-            <a:schemeClr val="accent2"/>
+            <a:schemeClr val="accent2">
+              <a:lumMod val="60000"/>
+              <a:lumOff val="40000"/>
+            </a:schemeClr>
           </a:solidFill>
         </p:spPr>
         <p:style>
@@ -3604,7 +3672,10 @@
             <a:avLst/>
           </a:prstGeom>
           <a:solidFill>
-            <a:schemeClr val="accent2"/>
+            <a:schemeClr val="accent2">
+              <a:lumMod val="60000"/>
+              <a:lumOff val="40000"/>
+            </a:schemeClr>
           </a:solidFill>
         </p:spPr>
         <p:style>
@@ -3703,7 +3774,10 @@
             <a:avLst/>
           </a:prstGeom>
           <a:solidFill>
-            <a:schemeClr val="accent2"/>
+            <a:schemeClr val="accent2">
+              <a:lumMod val="60000"/>
+              <a:lumOff val="40000"/>
+            </a:schemeClr>
           </a:solidFill>
         </p:spPr>
         <p:style>
@@ -3752,7 +3826,9 @@
             <a:avLst/>
           </a:prstGeom>
           <a:solidFill>
-            <a:schemeClr val="accent1"/>
+            <a:schemeClr val="accent4">
+              <a:lumMod val="50000"/>
+            </a:schemeClr>
           </a:solidFill>
         </p:spPr>
         <p:style>
@@ -4411,6 +4487,11 @@
           <a:prstGeom prst="ellipse">
             <a:avLst/>
           </a:prstGeom>
+          <a:solidFill>
+            <a:schemeClr val="accent4">
+              <a:lumMod val="50000"/>
+            </a:schemeClr>
+          </a:solidFill>
         </p:spPr>
         <p:style>
           <a:lnRef idx="2">
@@ -4457,6 +4538,11 @@
           <a:prstGeom prst="ellipse">
             <a:avLst/>
           </a:prstGeom>
+          <a:solidFill>
+            <a:schemeClr val="accent4">
+              <a:lumMod val="50000"/>
+            </a:schemeClr>
+          </a:solidFill>
         </p:spPr>
         <p:style>
           <a:lnRef idx="2">
@@ -4504,7 +4590,10 @@
             <a:avLst/>
           </a:prstGeom>
           <a:solidFill>
-            <a:schemeClr val="accent2"/>
+            <a:schemeClr val="accent2">
+              <a:lumMod val="60000"/>
+              <a:lumOff val="40000"/>
+            </a:schemeClr>
           </a:solidFill>
         </p:spPr>
         <p:style>
@@ -4553,7 +4642,10 @@
             <a:avLst/>
           </a:prstGeom>
           <a:solidFill>
-            <a:schemeClr val="accent2"/>
+            <a:schemeClr val="accent2">
+              <a:lumMod val="60000"/>
+              <a:lumOff val="40000"/>
+            </a:schemeClr>
           </a:solidFill>
         </p:spPr>
         <p:style>
@@ -4652,7 +4744,10 @@
             <a:avLst/>
           </a:prstGeom>
           <a:solidFill>
-            <a:schemeClr val="accent2"/>
+            <a:schemeClr val="accent2">
+              <a:lumMod val="60000"/>
+              <a:lumOff val="40000"/>
+            </a:schemeClr>
           </a:solidFill>
         </p:spPr>
         <p:style>
@@ -4701,7 +4796,9 @@
             <a:avLst/>
           </a:prstGeom>
           <a:solidFill>
-            <a:schemeClr val="accent1"/>
+            <a:schemeClr val="accent4">
+              <a:lumMod val="50000"/>
+            </a:schemeClr>
           </a:solidFill>
         </p:spPr>
         <p:style>
@@ -4715,58 +4812,6 @@
           </a:fillRef>
           <a:effectRef idx="0">
             <a:schemeClr val="accent1"/>
-          </a:effectRef>
-          <a:fontRef idx="minor">
-            <a:schemeClr val="lt1"/>
-          </a:fontRef>
-        </p:style>
-        <p:txBody>
-          <a:bodyPr rtlCol="0" anchor="ctr"/>
-          <a:lstStyle/>
-          <a:p>
-            <a:pPr algn="ctr"/>
-            <a:endParaRPr lang="en-US"/>
-          </a:p>
-        </p:txBody>
-      </p:sp>
-      <p:sp>
-        <p:nvSpPr>
-          <p:cNvPr id="127" name="Oval 126">
-            <a:extLst>
-              <a:ext uri="{FF2B5EF4-FFF2-40B4-BE49-F238E27FC236}">
-                <a16:creationId xmlns:a16="http://schemas.microsoft.com/office/drawing/2014/main" id="{B56AB48F-1C50-B49F-49E9-05B8CA951504}"/>
-              </a:ext>
-            </a:extLst>
-          </p:cNvPr>
-          <p:cNvSpPr/>
-          <p:nvPr/>
-        </p:nvSpPr>
-        <p:spPr>
-          <a:xfrm>
-            <a:off x="6429667" y="1925962"/>
-            <a:ext cx="1929615" cy="2235605"/>
-          </a:xfrm>
-          <a:prstGeom prst="ellipse">
-            <a:avLst/>
-          </a:prstGeom>
-          <a:solidFill>
-            <a:schemeClr val="accent1">
-              <a:alpha val="50000"/>
-            </a:schemeClr>
-          </a:solidFill>
-          <a:ln>
-            <a:noFill/>
-          </a:ln>
-        </p:spPr>
-        <p:style>
-          <a:lnRef idx="0">
-            <a:scrgbClr r="0" g="0" b="0"/>
-          </a:lnRef>
-          <a:fillRef idx="0">
-            <a:scrgbClr r="0" g="0" b="0"/>
-          </a:fillRef>
-          <a:effectRef idx="0">
-            <a:scrgbClr r="0" g="0" b="0"/>
           </a:effectRef>
           <a:fontRef idx="minor">
             <a:schemeClr val="lt1"/>

--- a/Figures/MergeCluster/Naive.pptx
+++ b/Figures/MergeCluster/Naive.pptx
@@ -270,7 +270,7 @@
           <a:p>
             <a:fld id="{A998DA84-98B5-DD46-882D-8C2847B204BE}" type="datetimeFigureOut">
               <a:rPr lang="en-US" smtClean="0"/>
-              <a:t>2/29/24</a:t>
+              <a:t>3/10/24</a:t>
             </a:fld>
             <a:endParaRPr lang="en-US"/>
           </a:p>
@@ -468,7 +468,7 @@
           <a:p>
             <a:fld id="{A998DA84-98B5-DD46-882D-8C2847B204BE}" type="datetimeFigureOut">
               <a:rPr lang="en-US" smtClean="0"/>
-              <a:t>2/29/24</a:t>
+              <a:t>3/10/24</a:t>
             </a:fld>
             <a:endParaRPr lang="en-US"/>
           </a:p>
@@ -676,7 +676,7 @@
           <a:p>
             <a:fld id="{A998DA84-98B5-DD46-882D-8C2847B204BE}" type="datetimeFigureOut">
               <a:rPr lang="en-US" smtClean="0"/>
-              <a:t>2/29/24</a:t>
+              <a:t>3/10/24</a:t>
             </a:fld>
             <a:endParaRPr lang="en-US"/>
           </a:p>
@@ -874,7 +874,7 @@
           <a:p>
             <a:fld id="{A998DA84-98B5-DD46-882D-8C2847B204BE}" type="datetimeFigureOut">
               <a:rPr lang="en-US" smtClean="0"/>
-              <a:t>2/29/24</a:t>
+              <a:t>3/10/24</a:t>
             </a:fld>
             <a:endParaRPr lang="en-US"/>
           </a:p>
@@ -1149,7 +1149,7 @@
           <a:p>
             <a:fld id="{A998DA84-98B5-DD46-882D-8C2847B204BE}" type="datetimeFigureOut">
               <a:rPr lang="en-US" smtClean="0"/>
-              <a:t>2/29/24</a:t>
+              <a:t>3/10/24</a:t>
             </a:fld>
             <a:endParaRPr lang="en-US"/>
           </a:p>
@@ -1414,7 +1414,7 @@
           <a:p>
             <a:fld id="{A998DA84-98B5-DD46-882D-8C2847B204BE}" type="datetimeFigureOut">
               <a:rPr lang="en-US" smtClean="0"/>
-              <a:t>2/29/24</a:t>
+              <a:t>3/10/24</a:t>
             </a:fld>
             <a:endParaRPr lang="en-US"/>
           </a:p>
@@ -1826,7 +1826,7 @@
           <a:p>
             <a:fld id="{A998DA84-98B5-DD46-882D-8C2847B204BE}" type="datetimeFigureOut">
               <a:rPr lang="en-US" smtClean="0"/>
-              <a:t>2/29/24</a:t>
+              <a:t>3/10/24</a:t>
             </a:fld>
             <a:endParaRPr lang="en-US"/>
           </a:p>
@@ -1967,7 +1967,7 @@
           <a:p>
             <a:fld id="{A998DA84-98B5-DD46-882D-8C2847B204BE}" type="datetimeFigureOut">
               <a:rPr lang="en-US" smtClean="0"/>
-              <a:t>2/29/24</a:t>
+              <a:t>3/10/24</a:t>
             </a:fld>
             <a:endParaRPr lang="en-US"/>
           </a:p>
@@ -2080,7 +2080,7 @@
           <a:p>
             <a:fld id="{A998DA84-98B5-DD46-882D-8C2847B204BE}" type="datetimeFigureOut">
               <a:rPr lang="en-US" smtClean="0"/>
-              <a:t>2/29/24</a:t>
+              <a:t>3/10/24</a:t>
             </a:fld>
             <a:endParaRPr lang="en-US"/>
           </a:p>
@@ -2391,7 +2391,7 @@
           <a:p>
             <a:fld id="{A998DA84-98B5-DD46-882D-8C2847B204BE}" type="datetimeFigureOut">
               <a:rPr lang="en-US" smtClean="0"/>
-              <a:t>2/29/24</a:t>
+              <a:t>3/10/24</a:t>
             </a:fld>
             <a:endParaRPr lang="en-US"/>
           </a:p>
@@ -2679,7 +2679,7 @@
           <a:p>
             <a:fld id="{A998DA84-98B5-DD46-882D-8C2847B204BE}" type="datetimeFigureOut">
               <a:rPr lang="en-US" smtClean="0"/>
-              <a:t>2/29/24</a:t>
+              <a:t>3/10/24</a:t>
             </a:fld>
             <a:endParaRPr lang="en-US"/>
           </a:p>
@@ -2920,7 +2920,7 @@
           <a:p>
             <a:fld id="{A998DA84-98B5-DD46-882D-8C2847B204BE}" type="datetimeFigureOut">
               <a:rPr lang="en-US" smtClean="0"/>
-              <a:t>2/29/24</a:t>
+              <a:t>3/10/24</a:t>
             </a:fld>
             <a:endParaRPr lang="en-US"/>
           </a:p>
@@ -3970,8 +3970,8 @@
         </p:nvSpPr>
         <p:spPr>
           <a:xfrm>
-            <a:off x="2422566" y="2947537"/>
-            <a:ext cx="945464" cy="276999"/>
+            <a:off x="2444338" y="2947537"/>
+            <a:ext cx="945464" cy="584775"/>
           </a:xfrm>
           <a:prstGeom prst="rect">
             <a:avLst/>
@@ -3986,11 +3986,11 @@
           <a:p>
             <a:pPr algn="ctr"/>
             <a:r>
-              <a:rPr lang="en-US" sz="1200" dirty="0"/>
+              <a:rPr lang="en-US" sz="1600" dirty="0"/>
               <a:t>Partition S</a:t>
             </a:r>
             <a:r>
-              <a:rPr lang="en-US" sz="1200" baseline="-25000" dirty="0"/>
+              <a:rPr lang="en-US" sz="1600" baseline="-25000" dirty="0"/>
               <a:t>2</a:t>
             </a:r>
           </a:p>
@@ -4010,8 +4010,8 @@
         </p:nvSpPr>
         <p:spPr>
           <a:xfrm>
-            <a:off x="3510508" y="4232993"/>
-            <a:ext cx="878774" cy="776177"/>
+            <a:off x="3443817" y="4232993"/>
+            <a:ext cx="1057639" cy="830997"/>
           </a:xfrm>
           <a:prstGeom prst="ellipse">
             <a:avLst/>
@@ -4060,8 +4060,8 @@
         </p:nvSpPr>
         <p:spPr>
           <a:xfrm>
-            <a:off x="3510508" y="3410766"/>
-            <a:ext cx="878774" cy="776177"/>
+            <a:off x="3443817" y="3410766"/>
+            <a:ext cx="1057639" cy="830997"/>
           </a:xfrm>
           <a:prstGeom prst="ellipse">
             <a:avLst/>
@@ -4110,8 +4110,8 @@
         </p:nvSpPr>
         <p:spPr>
           <a:xfrm>
-            <a:off x="4416251" y="2947536"/>
-            <a:ext cx="945464" cy="276999"/>
+            <a:off x="4394479" y="2947536"/>
+            <a:ext cx="945464" cy="584775"/>
           </a:xfrm>
           <a:prstGeom prst="rect">
             <a:avLst/>
@@ -4126,11 +4126,11 @@
           <a:p>
             <a:pPr algn="ctr"/>
             <a:r>
-              <a:rPr lang="en-US" sz="1200" dirty="0"/>
+              <a:rPr lang="en-US" sz="1600" dirty="0"/>
               <a:t>Partition S</a:t>
             </a:r>
             <a:r>
-              <a:rPr lang="en-US" sz="1200" baseline="-25000" dirty="0"/>
+              <a:rPr lang="en-US" sz="1600" baseline="-25000" dirty="0"/>
               <a:t>1</a:t>
             </a:r>
           </a:p>
@@ -4150,8 +4150,8 @@
         </p:nvSpPr>
         <p:spPr>
           <a:xfrm>
-            <a:off x="3097958" y="1576552"/>
-            <a:ext cx="1637415" cy="276999"/>
+            <a:off x="3097958" y="1500350"/>
+            <a:ext cx="1637415" cy="338554"/>
           </a:xfrm>
           <a:prstGeom prst="rect">
             <a:avLst/>
@@ -4166,10 +4166,10 @@
           <a:p>
             <a:pPr algn="ctr"/>
             <a:r>
-              <a:rPr lang="en-US" sz="1200" dirty="0"/>
+              <a:rPr lang="en-US" sz="1600" dirty="0"/>
               <a:t>Cluster: a</a:t>
             </a:r>
-            <a:endParaRPr lang="en-US" sz="1200" baseline="-25000" dirty="0"/>
+            <a:endParaRPr lang="en-US" sz="1600" baseline="-25000" dirty="0"/>
           </a:p>
         </p:txBody>
       </p:sp>
@@ -4187,8 +4187,8 @@
         </p:nvSpPr>
         <p:spPr>
           <a:xfrm>
-            <a:off x="3097958" y="2410366"/>
-            <a:ext cx="1637415" cy="276999"/>
+            <a:off x="3097958" y="2355936"/>
+            <a:ext cx="1637415" cy="338554"/>
           </a:xfrm>
           <a:prstGeom prst="rect">
             <a:avLst/>
@@ -4203,10 +4203,10 @@
           <a:p>
             <a:pPr algn="ctr"/>
             <a:r>
-              <a:rPr lang="en-US" sz="1200" dirty="0"/>
+              <a:rPr lang="en-US" sz="1600" dirty="0"/>
               <a:t>Cluster: b</a:t>
             </a:r>
-            <a:endParaRPr lang="en-US" sz="1200" baseline="-25000" dirty="0"/>
+            <a:endParaRPr lang="en-US" sz="1600" baseline="-25000" dirty="0"/>
           </a:p>
         </p:txBody>
       </p:sp>
@@ -4224,8 +4224,8 @@
         </p:nvSpPr>
         <p:spPr>
           <a:xfrm>
-            <a:off x="3126282" y="3884943"/>
-            <a:ext cx="1637415" cy="276999"/>
+            <a:off x="3288592" y="3832101"/>
+            <a:ext cx="1368090" cy="338554"/>
           </a:xfrm>
           <a:prstGeom prst="rect">
             <a:avLst/>
@@ -4240,10 +4240,10 @@
           <a:p>
             <a:pPr algn="ctr"/>
             <a:r>
-              <a:rPr lang="en-US" sz="1200" dirty="0"/>
+              <a:rPr lang="en-US" sz="1600" dirty="0"/>
               <a:t>Cluster: b</a:t>
             </a:r>
-            <a:endParaRPr lang="en-US" sz="1200" baseline="-25000" dirty="0"/>
+            <a:endParaRPr lang="en-US" sz="1600" baseline="-25000" dirty="0"/>
           </a:p>
         </p:txBody>
       </p:sp>
@@ -4261,8 +4261,8 @@
         </p:nvSpPr>
         <p:spPr>
           <a:xfrm>
-            <a:off x="3126282" y="4718502"/>
-            <a:ext cx="1637415" cy="276999"/>
+            <a:off x="3146227" y="4655806"/>
+            <a:ext cx="1637415" cy="338554"/>
           </a:xfrm>
           <a:prstGeom prst="rect">
             <a:avLst/>
@@ -4277,10 +4277,10 @@
           <a:p>
             <a:pPr algn="ctr"/>
             <a:r>
-              <a:rPr lang="en-US" sz="1200" dirty="0"/>
+              <a:rPr lang="en-US" sz="1600" dirty="0"/>
               <a:t>Cluster: a</a:t>
             </a:r>
-            <a:endParaRPr lang="en-US" sz="1200" baseline="-25000" dirty="0"/>
+            <a:endParaRPr lang="en-US" sz="1600" baseline="-25000" dirty="0"/>
           </a:p>
         </p:txBody>
       </p:sp>
@@ -4301,8 +4301,8 @@
         </p:nvCxnSpPr>
         <p:spPr>
           <a:xfrm rot="16200000" flipV="1">
-            <a:off x="4078764" y="2137317"/>
-            <a:ext cx="1466828" cy="153610"/>
+            <a:off x="4067878" y="2148203"/>
+            <a:ext cx="1466828" cy="131838"/>
           </a:xfrm>
           <a:prstGeom prst="bentConnector2">
             <a:avLst/>
@@ -4347,8 +4347,8 @@
         </p:nvCxnSpPr>
         <p:spPr>
           <a:xfrm rot="5400000">
-            <a:off x="4351973" y="3261845"/>
-            <a:ext cx="574320" cy="499701"/>
+            <a:off x="4537357" y="3496411"/>
+            <a:ext cx="293954" cy="365755"/>
           </a:xfrm>
           <a:prstGeom prst="bentConnector2">
             <a:avLst/>
@@ -4393,8 +4393,8 @@
         </p:nvCxnSpPr>
         <p:spPr>
           <a:xfrm rot="16200000" flipH="1">
-            <a:off x="2504630" y="3615204"/>
-            <a:ext cx="1396546" cy="615210"/>
+            <a:off x="2622353" y="3827028"/>
+            <a:ext cx="1116180" cy="526747"/>
           </a:xfrm>
           <a:prstGeom prst="bentConnector2">
             <a:avLst/>
@@ -4439,8 +4439,8 @@
         </p:nvCxnSpPr>
         <p:spPr>
           <a:xfrm rot="5400000" flipH="1" flipV="1">
-            <a:off x="2676857" y="2526436"/>
-            <a:ext cx="639542" cy="202660"/>
+            <a:off x="2687743" y="2537322"/>
+            <a:ext cx="639542" cy="180888"/>
           </a:xfrm>
           <a:prstGeom prst="bentConnector2">
             <a:avLst/>
@@ -4841,7 +4841,7 @@
         <p:spPr>
           <a:xfrm>
             <a:off x="6640567" y="2947536"/>
-            <a:ext cx="1637415" cy="276999"/>
+            <a:ext cx="1637415" cy="338554"/>
           </a:xfrm>
           <a:prstGeom prst="rect">
             <a:avLst/>
@@ -4856,10 +4856,10 @@
           <a:p>
             <a:pPr algn="ctr"/>
             <a:r>
-              <a:rPr lang="en-US" sz="1200" dirty="0"/>
+              <a:rPr lang="en-US" sz="1600" dirty="0"/>
               <a:t>Cluster: b</a:t>
             </a:r>
-            <a:endParaRPr lang="en-US" sz="1200" baseline="-25000" dirty="0"/>
+            <a:endParaRPr lang="en-US" sz="1600" baseline="-25000" dirty="0"/>
           </a:p>
         </p:txBody>
       </p:sp>
@@ -4877,8 +4877,8 @@
         </p:nvSpPr>
         <p:spPr>
           <a:xfrm>
-            <a:off x="6640568" y="4718502"/>
-            <a:ext cx="1637415" cy="276999"/>
+            <a:off x="6632444" y="4641758"/>
+            <a:ext cx="1637415" cy="338554"/>
           </a:xfrm>
           <a:prstGeom prst="rect">
             <a:avLst/>
@@ -4893,10 +4893,10 @@
           <a:p>
             <a:pPr algn="ctr"/>
             <a:r>
-              <a:rPr lang="en-US" sz="1200" dirty="0"/>
+              <a:rPr lang="en-US" sz="1600" dirty="0"/>
               <a:t>Cluster: a</a:t>
             </a:r>
-            <a:endParaRPr lang="en-US" sz="1200" baseline="-25000" dirty="0"/>
+            <a:endParaRPr lang="en-US" sz="1600" baseline="-25000" dirty="0"/>
           </a:p>
         </p:txBody>
       </p:sp>
@@ -4960,8 +4960,8 @@
         </p:nvSpPr>
         <p:spPr>
           <a:xfrm>
-            <a:off x="5272543" y="2361625"/>
-            <a:ext cx="759311" cy="461665"/>
+            <a:off x="5188127" y="1967423"/>
+            <a:ext cx="935853" cy="584775"/>
           </a:xfrm>
           <a:prstGeom prst="rect">
             <a:avLst/>
@@ -4976,11 +4976,15 @@
           <a:p>
             <a:pPr algn="ctr"/>
             <a:r>
+              <a:rPr lang="en-US" sz="1600" dirty="0"/>
+              <a:t>Naïve</a:t>
+            </a:r>
+            <a:r>
               <a:rPr lang="en-US" sz="1200" dirty="0"/>
-              <a:t>Naïve </a:t>
-            </a:r>
-            <a:r>
-              <a:rPr lang="en-US" sz="1200" dirty="0" err="1"/>
+              <a:t> </a:t>
+            </a:r>
+            <a:r>
+              <a:rPr lang="en-US" sz="1600" dirty="0" err="1"/>
               <a:t>Concat</a:t>
             </a:r>
             <a:endParaRPr lang="en-US" sz="1200" baseline="-25000" dirty="0"/>

--- a/Figures/MergeCluster/Naive.pptx
+++ b/Figures/MergeCluster/Naive.pptx
@@ -4,6 +4,9 @@
   <p:sldMasterIdLst>
     <p:sldMasterId id="2147483648" r:id="rId1"/>
   </p:sldMasterIdLst>
+  <p:notesMasterIdLst>
+    <p:notesMasterId r:id="rId3"/>
+  </p:notesMasterIdLst>
   <p:sldIdLst>
     <p:sldId id="256" r:id="rId2"/>
   </p:sldIdLst>
@@ -123,6 +126,439 @@
 </p:presentation>
 </file>
 
+<file path=ppt/notesMasters/notesMaster1.xml><?xml version="1.0" encoding="utf-8"?>
+<p:notesMaster xmlns:a="http://schemas.openxmlformats.org/drawingml/2006/main" xmlns:r="http://schemas.openxmlformats.org/officeDocument/2006/relationships" xmlns:p="http://schemas.openxmlformats.org/presentationml/2006/main">
+  <p:cSld>
+    <p:bg>
+      <p:bgRef idx="1001">
+        <a:schemeClr val="bg1"/>
+      </p:bgRef>
+    </p:bg>
+    <p:spTree>
+      <p:nvGrpSpPr>
+        <p:cNvPr id="1" name=""/>
+        <p:cNvGrpSpPr/>
+        <p:nvPr/>
+      </p:nvGrpSpPr>
+      <p:grpSpPr>
+        <a:xfrm>
+          <a:off x="0" y="0"/>
+          <a:ext cx="0" cy="0"/>
+          <a:chOff x="0" y="0"/>
+          <a:chExt cx="0" cy="0"/>
+        </a:xfrm>
+      </p:grpSpPr>
+      <p:sp>
+        <p:nvSpPr>
+          <p:cNvPr id="2" name="Header Placeholder 1"/>
+          <p:cNvSpPr>
+            <a:spLocks noGrp="1"/>
+          </p:cNvSpPr>
+          <p:nvPr>
+            <p:ph type="hdr" sz="quarter"/>
+          </p:nvPr>
+        </p:nvSpPr>
+        <p:spPr>
+          <a:xfrm>
+            <a:off x="0" y="0"/>
+            <a:ext cx="2971800" cy="458788"/>
+          </a:xfrm>
+          <a:prstGeom prst="rect">
+            <a:avLst/>
+          </a:prstGeom>
+        </p:spPr>
+        <p:txBody>
+          <a:bodyPr vert="horz" lIns="91440" tIns="45720" rIns="91440" bIns="45720" rtlCol="0"/>
+          <a:lstStyle>
+            <a:lvl1pPr algn="l">
+              <a:defRPr sz="1200"/>
+            </a:lvl1pPr>
+          </a:lstStyle>
+          <a:p>
+            <a:endParaRPr lang="en-US"/>
+          </a:p>
+        </p:txBody>
+      </p:sp>
+      <p:sp>
+        <p:nvSpPr>
+          <p:cNvPr id="3" name="Date Placeholder 2"/>
+          <p:cNvSpPr>
+            <a:spLocks noGrp="1"/>
+          </p:cNvSpPr>
+          <p:nvPr>
+            <p:ph type="dt" idx="1"/>
+          </p:nvPr>
+        </p:nvSpPr>
+        <p:spPr>
+          <a:xfrm>
+            <a:off x="3884613" y="0"/>
+            <a:ext cx="2971800" cy="458788"/>
+          </a:xfrm>
+          <a:prstGeom prst="rect">
+            <a:avLst/>
+          </a:prstGeom>
+        </p:spPr>
+        <p:txBody>
+          <a:bodyPr vert="horz" lIns="91440" tIns="45720" rIns="91440" bIns="45720" rtlCol="0"/>
+          <a:lstStyle>
+            <a:lvl1pPr algn="r">
+              <a:defRPr sz="1200"/>
+            </a:lvl1pPr>
+          </a:lstStyle>
+          <a:p>
+            <a:fld id="{9999FDBC-ED07-6843-B789-AF26C1B2E814}" type="datetimeFigureOut">
+              <a:rPr lang="en-US" smtClean="0"/>
+              <a:t>3/12/24</a:t>
+            </a:fld>
+            <a:endParaRPr lang="en-US"/>
+          </a:p>
+        </p:txBody>
+      </p:sp>
+      <p:sp>
+        <p:nvSpPr>
+          <p:cNvPr id="4" name="Slide Image Placeholder 3"/>
+          <p:cNvSpPr>
+            <a:spLocks noGrp="1" noRot="1" noChangeAspect="1"/>
+          </p:cNvSpPr>
+          <p:nvPr>
+            <p:ph type="sldImg" idx="2"/>
+          </p:nvPr>
+        </p:nvSpPr>
+        <p:spPr>
+          <a:xfrm>
+            <a:off x="685800" y="1143000"/>
+            <a:ext cx="5486400" cy="3086100"/>
+          </a:xfrm>
+          <a:prstGeom prst="rect">
+            <a:avLst/>
+          </a:prstGeom>
+          <a:noFill/>
+          <a:ln w="12700">
+            <a:solidFill>
+              <a:prstClr val="black"/>
+            </a:solidFill>
+          </a:ln>
+        </p:spPr>
+        <p:txBody>
+          <a:bodyPr vert="horz" lIns="91440" tIns="45720" rIns="91440" bIns="45720" rtlCol="0" anchor="ctr"/>
+          <a:lstStyle/>
+          <a:p>
+            <a:endParaRPr lang="en-US"/>
+          </a:p>
+        </p:txBody>
+      </p:sp>
+      <p:sp>
+        <p:nvSpPr>
+          <p:cNvPr id="5" name="Notes Placeholder 4"/>
+          <p:cNvSpPr>
+            <a:spLocks noGrp="1"/>
+          </p:cNvSpPr>
+          <p:nvPr>
+            <p:ph type="body" sz="quarter" idx="3"/>
+          </p:nvPr>
+        </p:nvSpPr>
+        <p:spPr>
+          <a:xfrm>
+            <a:off x="685800" y="4400550"/>
+            <a:ext cx="5486400" cy="3600450"/>
+          </a:xfrm>
+          <a:prstGeom prst="rect">
+            <a:avLst/>
+          </a:prstGeom>
+        </p:spPr>
+        <p:txBody>
+          <a:bodyPr vert="horz" lIns="91440" tIns="45720" rIns="91440" bIns="45720" rtlCol="0"/>
+          <a:lstStyle/>
+          <a:p>
+            <a:pPr lvl="0"/>
+            <a:r>
+              <a:rPr lang="en-US"/>
+              <a:t>Click to edit Master text styles</a:t>
+            </a:r>
+          </a:p>
+          <a:p>
+            <a:pPr lvl="1"/>
+            <a:r>
+              <a:rPr lang="en-US"/>
+              <a:t>Second level</a:t>
+            </a:r>
+          </a:p>
+          <a:p>
+            <a:pPr lvl="2"/>
+            <a:r>
+              <a:rPr lang="en-US"/>
+              <a:t>Third level</a:t>
+            </a:r>
+          </a:p>
+          <a:p>
+            <a:pPr lvl="3"/>
+            <a:r>
+              <a:rPr lang="en-US"/>
+              <a:t>Fourth level</a:t>
+            </a:r>
+          </a:p>
+          <a:p>
+            <a:pPr lvl="4"/>
+            <a:r>
+              <a:rPr lang="en-US"/>
+              <a:t>Fifth level</a:t>
+            </a:r>
+          </a:p>
+        </p:txBody>
+      </p:sp>
+      <p:sp>
+        <p:nvSpPr>
+          <p:cNvPr id="6" name="Footer Placeholder 5"/>
+          <p:cNvSpPr>
+            <a:spLocks noGrp="1"/>
+          </p:cNvSpPr>
+          <p:nvPr>
+            <p:ph type="ftr" sz="quarter" idx="4"/>
+          </p:nvPr>
+        </p:nvSpPr>
+        <p:spPr>
+          <a:xfrm>
+            <a:off x="0" y="8685213"/>
+            <a:ext cx="2971800" cy="458787"/>
+          </a:xfrm>
+          <a:prstGeom prst="rect">
+            <a:avLst/>
+          </a:prstGeom>
+        </p:spPr>
+        <p:txBody>
+          <a:bodyPr vert="horz" lIns="91440" tIns="45720" rIns="91440" bIns="45720" rtlCol="0" anchor="b"/>
+          <a:lstStyle>
+            <a:lvl1pPr algn="l">
+              <a:defRPr sz="1200"/>
+            </a:lvl1pPr>
+          </a:lstStyle>
+          <a:p>
+            <a:endParaRPr lang="en-US"/>
+          </a:p>
+        </p:txBody>
+      </p:sp>
+      <p:sp>
+        <p:nvSpPr>
+          <p:cNvPr id="7" name="Slide Number Placeholder 6"/>
+          <p:cNvSpPr>
+            <a:spLocks noGrp="1"/>
+          </p:cNvSpPr>
+          <p:nvPr>
+            <p:ph type="sldNum" sz="quarter" idx="5"/>
+          </p:nvPr>
+        </p:nvSpPr>
+        <p:spPr>
+          <a:xfrm>
+            <a:off x="3884613" y="8685213"/>
+            <a:ext cx="2971800" cy="458787"/>
+          </a:xfrm>
+          <a:prstGeom prst="rect">
+            <a:avLst/>
+          </a:prstGeom>
+        </p:spPr>
+        <p:txBody>
+          <a:bodyPr vert="horz" lIns="91440" tIns="45720" rIns="91440" bIns="45720" rtlCol="0" anchor="b"/>
+          <a:lstStyle>
+            <a:lvl1pPr algn="r">
+              <a:defRPr sz="1200"/>
+            </a:lvl1pPr>
+          </a:lstStyle>
+          <a:p>
+            <a:fld id="{964F0CA6-40A8-3640-BE9A-4F01743298A5}" type="slidenum">
+              <a:rPr lang="en-US" smtClean="0"/>
+              <a:t>‹#›</a:t>
+            </a:fld>
+            <a:endParaRPr lang="en-US"/>
+          </a:p>
+        </p:txBody>
+      </p:sp>
+    </p:spTree>
+    <p:extLst>
+      <p:ext uri="{BB962C8B-B14F-4D97-AF65-F5344CB8AC3E}">
+        <p14:creationId xmlns:p14="http://schemas.microsoft.com/office/powerpoint/2010/main" val="4067814099"/>
+      </p:ext>
+    </p:extLst>
+  </p:cSld>
+  <p:clrMap bg1="lt1" tx1="dk1" bg2="lt2" tx2="dk2" accent1="accent1" accent2="accent2" accent3="accent3" accent4="accent4" accent5="accent5" accent6="accent6" hlink="hlink" folHlink="folHlink"/>
+  <p:notesStyle>
+    <a:lvl1pPr marL="0" algn="l" defTabSz="914400" rtl="0" eaLnBrk="1" latinLnBrk="0" hangingPunct="1">
+      <a:defRPr sz="1200" kern="1200">
+        <a:solidFill>
+          <a:schemeClr val="tx1"/>
+        </a:solidFill>
+        <a:latin typeface="+mn-lt"/>
+        <a:ea typeface="+mn-ea"/>
+        <a:cs typeface="+mn-cs"/>
+      </a:defRPr>
+    </a:lvl1pPr>
+    <a:lvl2pPr marL="457200" algn="l" defTabSz="914400" rtl="0" eaLnBrk="1" latinLnBrk="0" hangingPunct="1">
+      <a:defRPr sz="1200" kern="1200">
+        <a:solidFill>
+          <a:schemeClr val="tx1"/>
+        </a:solidFill>
+        <a:latin typeface="+mn-lt"/>
+        <a:ea typeface="+mn-ea"/>
+        <a:cs typeface="+mn-cs"/>
+      </a:defRPr>
+    </a:lvl2pPr>
+    <a:lvl3pPr marL="914400" algn="l" defTabSz="914400" rtl="0" eaLnBrk="1" latinLnBrk="0" hangingPunct="1">
+      <a:defRPr sz="1200" kern="1200">
+        <a:solidFill>
+          <a:schemeClr val="tx1"/>
+        </a:solidFill>
+        <a:latin typeface="+mn-lt"/>
+        <a:ea typeface="+mn-ea"/>
+        <a:cs typeface="+mn-cs"/>
+      </a:defRPr>
+    </a:lvl3pPr>
+    <a:lvl4pPr marL="1371600" algn="l" defTabSz="914400" rtl="0" eaLnBrk="1" latinLnBrk="0" hangingPunct="1">
+      <a:defRPr sz="1200" kern="1200">
+        <a:solidFill>
+          <a:schemeClr val="tx1"/>
+        </a:solidFill>
+        <a:latin typeface="+mn-lt"/>
+        <a:ea typeface="+mn-ea"/>
+        <a:cs typeface="+mn-cs"/>
+      </a:defRPr>
+    </a:lvl4pPr>
+    <a:lvl5pPr marL="1828800" algn="l" defTabSz="914400" rtl="0" eaLnBrk="1" latinLnBrk="0" hangingPunct="1">
+      <a:defRPr sz="1200" kern="1200">
+        <a:solidFill>
+          <a:schemeClr val="tx1"/>
+        </a:solidFill>
+        <a:latin typeface="+mn-lt"/>
+        <a:ea typeface="+mn-ea"/>
+        <a:cs typeface="+mn-cs"/>
+      </a:defRPr>
+    </a:lvl5pPr>
+    <a:lvl6pPr marL="2286000" algn="l" defTabSz="914400" rtl="0" eaLnBrk="1" latinLnBrk="0" hangingPunct="1">
+      <a:defRPr sz="1200" kern="1200">
+        <a:solidFill>
+          <a:schemeClr val="tx1"/>
+        </a:solidFill>
+        <a:latin typeface="+mn-lt"/>
+        <a:ea typeface="+mn-ea"/>
+        <a:cs typeface="+mn-cs"/>
+      </a:defRPr>
+    </a:lvl6pPr>
+    <a:lvl7pPr marL="2743200" algn="l" defTabSz="914400" rtl="0" eaLnBrk="1" latinLnBrk="0" hangingPunct="1">
+      <a:defRPr sz="1200" kern="1200">
+        <a:solidFill>
+          <a:schemeClr val="tx1"/>
+        </a:solidFill>
+        <a:latin typeface="+mn-lt"/>
+        <a:ea typeface="+mn-ea"/>
+        <a:cs typeface="+mn-cs"/>
+      </a:defRPr>
+    </a:lvl7pPr>
+    <a:lvl8pPr marL="3200400" algn="l" defTabSz="914400" rtl="0" eaLnBrk="1" latinLnBrk="0" hangingPunct="1">
+      <a:defRPr sz="1200" kern="1200">
+        <a:solidFill>
+          <a:schemeClr val="tx1"/>
+        </a:solidFill>
+        <a:latin typeface="+mn-lt"/>
+        <a:ea typeface="+mn-ea"/>
+        <a:cs typeface="+mn-cs"/>
+      </a:defRPr>
+    </a:lvl8pPr>
+    <a:lvl9pPr marL="3657600" algn="l" defTabSz="914400" rtl="0" eaLnBrk="1" latinLnBrk="0" hangingPunct="1">
+      <a:defRPr sz="1200" kern="1200">
+        <a:solidFill>
+          <a:schemeClr val="tx1"/>
+        </a:solidFill>
+        <a:latin typeface="+mn-lt"/>
+        <a:ea typeface="+mn-ea"/>
+        <a:cs typeface="+mn-cs"/>
+      </a:defRPr>
+    </a:lvl9pPr>
+  </p:notesStyle>
+</p:notesMaster>
+</file>
+
+<file path=ppt/notesSlides/notesSlide1.xml><?xml version="1.0" encoding="utf-8"?>
+<p:notes xmlns:a="http://schemas.openxmlformats.org/drawingml/2006/main" xmlns:r="http://schemas.openxmlformats.org/officeDocument/2006/relationships" xmlns:p="http://schemas.openxmlformats.org/presentationml/2006/main">
+  <p:cSld>
+    <p:spTree>
+      <p:nvGrpSpPr>
+        <p:cNvPr id="1" name=""/>
+        <p:cNvGrpSpPr/>
+        <p:nvPr/>
+      </p:nvGrpSpPr>
+      <p:grpSpPr>
+        <a:xfrm>
+          <a:off x="0" y="0"/>
+          <a:ext cx="0" cy="0"/>
+          <a:chOff x="0" y="0"/>
+          <a:chExt cx="0" cy="0"/>
+        </a:xfrm>
+      </p:grpSpPr>
+      <p:sp>
+        <p:nvSpPr>
+          <p:cNvPr id="2" name="Slide Image Placeholder 1"/>
+          <p:cNvSpPr>
+            <a:spLocks noGrp="1" noRot="1" noChangeAspect="1"/>
+          </p:cNvSpPr>
+          <p:nvPr>
+            <p:ph type="sldImg"/>
+          </p:nvPr>
+        </p:nvSpPr>
+        <p:spPr/>
+      </p:sp>
+      <p:sp>
+        <p:nvSpPr>
+          <p:cNvPr id="3" name="Notes Placeholder 2"/>
+          <p:cNvSpPr>
+            <a:spLocks noGrp="1"/>
+          </p:cNvSpPr>
+          <p:nvPr>
+            <p:ph type="body" idx="1"/>
+          </p:nvPr>
+        </p:nvSpPr>
+        <p:spPr/>
+        <p:txBody>
+          <a:bodyPr/>
+          <a:lstStyle/>
+          <a:p>
+            <a:endParaRPr lang="en-US" dirty="0"/>
+          </a:p>
+        </p:txBody>
+      </p:sp>
+      <p:sp>
+        <p:nvSpPr>
+          <p:cNvPr id="4" name="Slide Number Placeholder 3"/>
+          <p:cNvSpPr>
+            <a:spLocks noGrp="1"/>
+          </p:cNvSpPr>
+          <p:nvPr>
+            <p:ph type="sldNum" sz="quarter" idx="5"/>
+          </p:nvPr>
+        </p:nvSpPr>
+        <p:spPr/>
+        <p:txBody>
+          <a:bodyPr/>
+          <a:lstStyle/>
+          <a:p>
+            <a:fld id="{964F0CA6-40A8-3640-BE9A-4F01743298A5}" type="slidenum">
+              <a:rPr lang="en-US" smtClean="0"/>
+              <a:t>1</a:t>
+            </a:fld>
+            <a:endParaRPr lang="en-US"/>
+          </a:p>
+        </p:txBody>
+      </p:sp>
+    </p:spTree>
+    <p:extLst>
+      <p:ext uri="{BB962C8B-B14F-4D97-AF65-F5344CB8AC3E}">
+        <p14:creationId xmlns:p14="http://schemas.microsoft.com/office/powerpoint/2010/main" val="2115744629"/>
+      </p:ext>
+    </p:extLst>
+  </p:cSld>
+  <p:clrMapOvr>
+    <a:masterClrMapping/>
+  </p:clrMapOvr>
+</p:notes>
+</file>
+
 <file path=ppt/slideLayouts/slideLayout1.xml><?xml version="1.0" encoding="utf-8"?>
 <p:sldLayout xmlns:a="http://schemas.openxmlformats.org/drawingml/2006/main" xmlns:r="http://schemas.openxmlformats.org/officeDocument/2006/relationships" xmlns:p="http://schemas.openxmlformats.org/presentationml/2006/main" type="title" preserve="1">
   <p:cSld name="Title Slide">
@@ -270,7 +706,7 @@
           <a:p>
             <a:fld id="{A998DA84-98B5-DD46-882D-8C2847B204BE}" type="datetimeFigureOut">
               <a:rPr lang="en-US" smtClean="0"/>
-              <a:t>3/10/24</a:t>
+              <a:t>3/12/24</a:t>
             </a:fld>
             <a:endParaRPr lang="en-US"/>
           </a:p>
@@ -468,7 +904,7 @@
           <a:p>
             <a:fld id="{A998DA84-98B5-DD46-882D-8C2847B204BE}" type="datetimeFigureOut">
               <a:rPr lang="en-US" smtClean="0"/>
-              <a:t>3/10/24</a:t>
+              <a:t>3/12/24</a:t>
             </a:fld>
             <a:endParaRPr lang="en-US"/>
           </a:p>
@@ -676,7 +1112,7 @@
           <a:p>
             <a:fld id="{A998DA84-98B5-DD46-882D-8C2847B204BE}" type="datetimeFigureOut">
               <a:rPr lang="en-US" smtClean="0"/>
-              <a:t>3/10/24</a:t>
+              <a:t>3/12/24</a:t>
             </a:fld>
             <a:endParaRPr lang="en-US"/>
           </a:p>
@@ -874,7 +1310,7 @@
           <a:p>
             <a:fld id="{A998DA84-98B5-DD46-882D-8C2847B204BE}" type="datetimeFigureOut">
               <a:rPr lang="en-US" smtClean="0"/>
-              <a:t>3/10/24</a:t>
+              <a:t>3/12/24</a:t>
             </a:fld>
             <a:endParaRPr lang="en-US"/>
           </a:p>
@@ -1149,7 +1585,7 @@
           <a:p>
             <a:fld id="{A998DA84-98B5-DD46-882D-8C2847B204BE}" type="datetimeFigureOut">
               <a:rPr lang="en-US" smtClean="0"/>
-              <a:t>3/10/24</a:t>
+              <a:t>3/12/24</a:t>
             </a:fld>
             <a:endParaRPr lang="en-US"/>
           </a:p>
@@ -1414,7 +1850,7 @@
           <a:p>
             <a:fld id="{A998DA84-98B5-DD46-882D-8C2847B204BE}" type="datetimeFigureOut">
               <a:rPr lang="en-US" smtClean="0"/>
-              <a:t>3/10/24</a:t>
+              <a:t>3/12/24</a:t>
             </a:fld>
             <a:endParaRPr lang="en-US"/>
           </a:p>
@@ -1826,7 +2262,7 @@
           <a:p>
             <a:fld id="{A998DA84-98B5-DD46-882D-8C2847B204BE}" type="datetimeFigureOut">
               <a:rPr lang="en-US" smtClean="0"/>
-              <a:t>3/10/24</a:t>
+              <a:t>3/12/24</a:t>
             </a:fld>
             <a:endParaRPr lang="en-US"/>
           </a:p>
@@ -1967,7 +2403,7 @@
           <a:p>
             <a:fld id="{A998DA84-98B5-DD46-882D-8C2847B204BE}" type="datetimeFigureOut">
               <a:rPr lang="en-US" smtClean="0"/>
-              <a:t>3/10/24</a:t>
+              <a:t>3/12/24</a:t>
             </a:fld>
             <a:endParaRPr lang="en-US"/>
           </a:p>
@@ -2080,7 +2516,7 @@
           <a:p>
             <a:fld id="{A998DA84-98B5-DD46-882D-8C2847B204BE}" type="datetimeFigureOut">
               <a:rPr lang="en-US" smtClean="0"/>
-              <a:t>3/10/24</a:t>
+              <a:t>3/12/24</a:t>
             </a:fld>
             <a:endParaRPr lang="en-US"/>
           </a:p>
@@ -2391,7 +2827,7 @@
           <a:p>
             <a:fld id="{A998DA84-98B5-DD46-882D-8C2847B204BE}" type="datetimeFigureOut">
               <a:rPr lang="en-US" smtClean="0"/>
-              <a:t>3/10/24</a:t>
+              <a:t>3/12/24</a:t>
             </a:fld>
             <a:endParaRPr lang="en-US"/>
           </a:p>
@@ -2679,7 +3115,7 @@
           <a:p>
             <a:fld id="{A998DA84-98B5-DD46-882D-8C2847B204BE}" type="datetimeFigureOut">
               <a:rPr lang="en-US" smtClean="0"/>
-              <a:t>3/10/24</a:t>
+              <a:t>3/12/24</a:t>
             </a:fld>
             <a:endParaRPr lang="en-US"/>
           </a:p>
@@ -2920,7 +3356,7 @@
           <a:p>
             <a:fld id="{A998DA84-98B5-DD46-882D-8C2847B204BE}" type="datetimeFigureOut">
               <a:rPr lang="en-US" smtClean="0"/>
-              <a:t>3/10/24</a:t>
+              <a:t>3/12/24</a:t>
             </a:fld>
             <a:endParaRPr lang="en-US"/>
           </a:p>
@@ -3339,10 +3775,10 @@
       </p:grpSpPr>
       <p:sp>
         <p:nvSpPr>
-          <p:cNvPr id="128" name="Oval 127">
-            <a:extLst>
-              <a:ext uri="{FF2B5EF4-FFF2-40B4-BE49-F238E27FC236}">
-                <a16:creationId xmlns:a16="http://schemas.microsoft.com/office/drawing/2014/main" id="{B131311E-ACCD-7269-4BE3-C790D50D7097}"/>
+          <p:cNvPr id="31" name="Oval 30">
+            <a:extLst>
+              <a:ext uri="{FF2B5EF4-FFF2-40B4-BE49-F238E27FC236}">
+                <a16:creationId xmlns:a16="http://schemas.microsoft.com/office/drawing/2014/main" id="{8965C717-414A-E34E-B943-B59131CE03AF}"/>
               </a:ext>
             </a:extLst>
           </p:cNvPr>
@@ -3351,8 +3787,8 @@
         </p:nvSpPr>
         <p:spPr>
           <a:xfrm>
-            <a:off x="6086806" y="1092619"/>
-            <a:ext cx="2635620" cy="3916551"/>
+            <a:off x="3485108" y="4223468"/>
+            <a:ext cx="878774" cy="776177"/>
           </a:xfrm>
           <a:prstGeom prst="ellipse">
             <a:avLst/>
@@ -3387,16 +3823,16 @@
           <a:lstStyle/>
           <a:p>
             <a:pPr algn="ctr"/>
-            <a:endParaRPr lang="en-US"/>
-          </a:p>
-        </p:txBody>
-      </p:sp>
-      <p:sp>
-        <p:nvSpPr>
-          <p:cNvPr id="130" name="Oval 129">
-            <a:extLst>
-              <a:ext uri="{FF2B5EF4-FFF2-40B4-BE49-F238E27FC236}">
-                <a16:creationId xmlns:a16="http://schemas.microsoft.com/office/drawing/2014/main" id="{E90BF0C1-6210-F08B-AD1D-6813D3F7A8C8}"/>
+            <a:endParaRPr lang="en-US" dirty="0"/>
+          </a:p>
+        </p:txBody>
+      </p:sp>
+      <p:sp>
+        <p:nvSpPr>
+          <p:cNvPr id="32" name="Oval 31">
+            <a:extLst>
+              <a:ext uri="{FF2B5EF4-FFF2-40B4-BE49-F238E27FC236}">
+                <a16:creationId xmlns:a16="http://schemas.microsoft.com/office/drawing/2014/main" id="{342B31A0-7165-0C7D-C37B-F4B180DC7C54}"/>
               </a:ext>
             </a:extLst>
           </p:cNvPr>
@@ -3404,8 +3840,222 @@
           <p:nvPr/>
         </p:nvSpPr>
         <p:spPr>
+          <a:xfrm>
+            <a:off x="3485108" y="3423466"/>
+            <a:ext cx="878774" cy="776177"/>
+          </a:xfrm>
+          <a:prstGeom prst="ellipse">
+            <a:avLst/>
+          </a:prstGeom>
+          <a:solidFill>
+            <a:schemeClr val="accent4">
+              <a:lumMod val="50000"/>
+              <a:alpha val="70057"/>
+            </a:schemeClr>
+          </a:solidFill>
+          <a:ln>
+            <a:noFill/>
+          </a:ln>
+        </p:spPr>
+        <p:style>
+          <a:lnRef idx="0">
+            <a:scrgbClr r="0" g="0" b="0"/>
+          </a:lnRef>
+          <a:fillRef idx="0">
+            <a:scrgbClr r="0" g="0" b="0"/>
+          </a:fillRef>
+          <a:effectRef idx="0">
+            <a:scrgbClr r="0" g="0" b="0"/>
+          </a:effectRef>
+          <a:fontRef idx="minor">
+            <a:schemeClr val="lt1"/>
+          </a:fontRef>
+        </p:style>
+        <p:txBody>
+          <a:bodyPr rtlCol="0" anchor="ctr"/>
+          <a:lstStyle/>
+          <a:p>
+            <a:pPr algn="ctr"/>
+            <a:endParaRPr lang="en-US"/>
+          </a:p>
+        </p:txBody>
+      </p:sp>
+      <p:sp>
+        <p:nvSpPr>
+          <p:cNvPr id="33" name="Oval 32">
+            <a:extLst>
+              <a:ext uri="{FF2B5EF4-FFF2-40B4-BE49-F238E27FC236}">
+                <a16:creationId xmlns:a16="http://schemas.microsoft.com/office/drawing/2014/main" id="{7C9C7674-0DE0-8403-8CD6-81EC6C45DBF2}"/>
+              </a:ext>
+            </a:extLst>
+          </p:cNvPr>
+          <p:cNvSpPr/>
+          <p:nvPr/>
+        </p:nvSpPr>
+        <p:spPr>
+          <a:xfrm>
+            <a:off x="3097958" y="1938956"/>
+            <a:ext cx="1600200" cy="776177"/>
+          </a:xfrm>
+          <a:prstGeom prst="ellipse">
+            <a:avLst/>
+          </a:prstGeom>
+          <a:solidFill>
+            <a:schemeClr val="accent4">
+              <a:lumMod val="50000"/>
+              <a:alpha val="70057"/>
+            </a:schemeClr>
+          </a:solidFill>
+          <a:ln>
+            <a:noFill/>
+          </a:ln>
+        </p:spPr>
+        <p:style>
+          <a:lnRef idx="0">
+            <a:scrgbClr r="0" g="0" b="0"/>
+          </a:lnRef>
+          <a:fillRef idx="0">
+            <a:scrgbClr r="0" g="0" b="0"/>
+          </a:fillRef>
+          <a:effectRef idx="0">
+            <a:scrgbClr r="0" g="0" b="0"/>
+          </a:effectRef>
+          <a:fontRef idx="minor">
+            <a:schemeClr val="lt1"/>
+          </a:fontRef>
+        </p:style>
+        <p:txBody>
+          <a:bodyPr rtlCol="0" anchor="ctr"/>
+          <a:lstStyle/>
+          <a:p>
+            <a:pPr algn="ctr"/>
+            <a:endParaRPr lang="en-US" dirty="0"/>
+          </a:p>
+        </p:txBody>
+      </p:sp>
+      <p:sp>
+        <p:nvSpPr>
+          <p:cNvPr id="34" name="Oval 33">
+            <a:extLst>
+              <a:ext uri="{FF2B5EF4-FFF2-40B4-BE49-F238E27FC236}">
+                <a16:creationId xmlns:a16="http://schemas.microsoft.com/office/drawing/2014/main" id="{EB8BECE6-B3F0-AF0F-8D45-25ECCA48EA46}"/>
+              </a:ext>
+            </a:extLst>
+          </p:cNvPr>
+          <p:cNvSpPr/>
+          <p:nvPr/>
+        </p:nvSpPr>
+        <p:spPr>
+          <a:xfrm>
+            <a:off x="3095744" y="1095794"/>
+            <a:ext cx="1600200" cy="776177"/>
+          </a:xfrm>
+          <a:prstGeom prst="ellipse">
+            <a:avLst/>
+          </a:prstGeom>
+          <a:solidFill>
+            <a:schemeClr val="accent2">
+              <a:lumMod val="60000"/>
+              <a:lumOff val="40000"/>
+              <a:alpha val="50000"/>
+            </a:schemeClr>
+          </a:solidFill>
+          <a:ln>
+            <a:noFill/>
+          </a:ln>
+        </p:spPr>
+        <p:style>
+          <a:lnRef idx="0">
+            <a:scrgbClr r="0" g="0" b="0"/>
+          </a:lnRef>
+          <a:fillRef idx="0">
+            <a:scrgbClr r="0" g="0" b="0"/>
+          </a:fillRef>
+          <a:effectRef idx="0">
+            <a:scrgbClr r="0" g="0" b="0"/>
+          </a:effectRef>
+          <a:fontRef idx="minor">
+            <a:schemeClr val="lt1"/>
+          </a:fontRef>
+        </p:style>
+        <p:txBody>
+          <a:bodyPr rtlCol="0" anchor="ctr"/>
+          <a:lstStyle/>
+          <a:p>
+            <a:pPr algn="ctr"/>
+            <a:endParaRPr lang="en-US" dirty="0"/>
+          </a:p>
+        </p:txBody>
+      </p:sp>
+      <p:sp>
+        <p:nvSpPr>
+          <p:cNvPr id="128" name="Oval 127">
+            <a:extLst>
+              <a:ext uri="{FF2B5EF4-FFF2-40B4-BE49-F238E27FC236}">
+                <a16:creationId xmlns:a16="http://schemas.microsoft.com/office/drawing/2014/main" id="{B131311E-ACCD-7269-4BE3-C790D50D7097}"/>
+              </a:ext>
+            </a:extLst>
+          </p:cNvPr>
+          <p:cNvSpPr/>
+          <p:nvPr/>
+        </p:nvSpPr>
+        <p:spPr>
+          <a:xfrm>
+            <a:off x="5660407" y="1092619"/>
+            <a:ext cx="2635620" cy="3916551"/>
+          </a:xfrm>
+          <a:prstGeom prst="ellipse">
+            <a:avLst/>
+          </a:prstGeom>
+          <a:solidFill>
+            <a:schemeClr val="accent2">
+              <a:lumMod val="60000"/>
+              <a:lumOff val="40000"/>
+              <a:alpha val="50000"/>
+            </a:schemeClr>
+          </a:solidFill>
+          <a:ln>
+            <a:noFill/>
+          </a:ln>
+        </p:spPr>
+        <p:style>
+          <a:lnRef idx="0">
+            <a:scrgbClr r="0" g="0" b="0"/>
+          </a:lnRef>
+          <a:fillRef idx="0">
+            <a:scrgbClr r="0" g="0" b="0"/>
+          </a:fillRef>
+          <a:effectRef idx="0">
+            <a:scrgbClr r="0" g="0" b="0"/>
+          </a:effectRef>
+          <a:fontRef idx="minor">
+            <a:schemeClr val="lt1"/>
+          </a:fontRef>
+        </p:style>
+        <p:txBody>
+          <a:bodyPr rtlCol="0" anchor="ctr"/>
+          <a:lstStyle/>
+          <a:p>
+            <a:pPr algn="ctr"/>
+            <a:endParaRPr lang="en-US"/>
+          </a:p>
+        </p:txBody>
+      </p:sp>
+      <p:sp>
+        <p:nvSpPr>
+          <p:cNvPr id="130" name="Oval 129">
+            <a:extLst>
+              <a:ext uri="{FF2B5EF4-FFF2-40B4-BE49-F238E27FC236}">
+                <a16:creationId xmlns:a16="http://schemas.microsoft.com/office/drawing/2014/main" id="{E90BF0C1-6210-F08B-AD1D-6813D3F7A8C8}"/>
+              </a:ext>
+            </a:extLst>
+          </p:cNvPr>
+          <p:cNvSpPr/>
+          <p:nvPr/>
+        </p:nvSpPr>
+        <p:spPr>
           <a:xfrm flipV="1">
-            <a:off x="6148024" y="1626919"/>
+            <a:off x="5721625" y="1626919"/>
             <a:ext cx="2501760" cy="2831619"/>
           </a:xfrm>
           <a:prstGeom prst="ellipse">
@@ -3458,7 +4108,7 @@
         </p:nvSpPr>
         <p:spPr>
           <a:xfrm>
-            <a:off x="6429667" y="1925962"/>
+            <a:off x="6003268" y="1925962"/>
             <a:ext cx="1929615" cy="2235605"/>
           </a:xfrm>
           <a:prstGeom prst="ellipse">
@@ -3499,469 +4149,50 @@
       </p:sp>
       <p:sp>
         <p:nvSpPr>
-          <p:cNvPr id="4" name="Oval 3">
-            <a:extLst>
-              <a:ext uri="{FF2B5EF4-FFF2-40B4-BE49-F238E27FC236}">
-                <a16:creationId xmlns:a16="http://schemas.microsoft.com/office/drawing/2014/main" id="{8C7A6324-44E3-75E5-DECC-E36A97017FF7}"/>
-              </a:ext>
-            </a:extLst>
-          </p:cNvPr>
-          <p:cNvSpPr/>
+          <p:cNvPr id="15" name="TextBox 14">
+            <a:extLst>
+              <a:ext uri="{FF2B5EF4-FFF2-40B4-BE49-F238E27FC236}">
+                <a16:creationId xmlns:a16="http://schemas.microsoft.com/office/drawing/2014/main" id="{6BBD4994-745A-1525-D367-656B68B45C69}"/>
+              </a:ext>
+            </a:extLst>
+          </p:cNvPr>
+          <p:cNvSpPr txBox="1"/>
           <p:nvPr/>
         </p:nvSpPr>
         <p:spPr>
           <a:xfrm>
-            <a:off x="3347742" y="2214592"/>
-            <a:ext cx="186152" cy="186152"/>
-          </a:xfrm>
-          <a:prstGeom prst="ellipse">
-            <a:avLst/>
-          </a:prstGeom>
-          <a:solidFill>
-            <a:schemeClr val="accent4">
-              <a:lumMod val="50000"/>
-            </a:schemeClr>
-          </a:solidFill>
-        </p:spPr>
-        <p:style>
-          <a:lnRef idx="2">
-            <a:schemeClr val="accent1">
-              <a:shade val="15000"/>
-            </a:schemeClr>
-          </a:lnRef>
-          <a:fillRef idx="1">
-            <a:schemeClr val="accent1"/>
-          </a:fillRef>
-          <a:effectRef idx="0">
-            <a:schemeClr val="accent1"/>
-          </a:effectRef>
-          <a:fontRef idx="minor">
-            <a:schemeClr val="lt1"/>
-          </a:fontRef>
-        </p:style>
-        <p:txBody>
-          <a:bodyPr rtlCol="0" anchor="ctr"/>
-          <a:lstStyle/>
-          <a:p>
-            <a:pPr algn="ctr"/>
-            <a:endParaRPr lang="en-US"/>
-          </a:p>
-        </p:txBody>
-      </p:sp>
-      <p:sp>
-        <p:nvSpPr>
-          <p:cNvPr id="5" name="Oval 4">
-            <a:extLst>
-              <a:ext uri="{FF2B5EF4-FFF2-40B4-BE49-F238E27FC236}">
-                <a16:creationId xmlns:a16="http://schemas.microsoft.com/office/drawing/2014/main" id="{3BDD37AC-0DBA-D831-9F81-1DE40164F2F4}"/>
-              </a:ext>
-            </a:extLst>
-          </p:cNvPr>
-          <p:cNvSpPr/>
-          <p:nvPr/>
-        </p:nvSpPr>
-        <p:spPr>
-          <a:xfrm>
-            <a:off x="4315305" y="2222934"/>
-            <a:ext cx="186152" cy="186152"/>
-          </a:xfrm>
-          <a:prstGeom prst="ellipse">
-            <a:avLst/>
-          </a:prstGeom>
-          <a:solidFill>
-            <a:schemeClr val="accent4">
-              <a:lumMod val="50000"/>
-            </a:schemeClr>
-          </a:solidFill>
-        </p:spPr>
-        <p:style>
-          <a:lnRef idx="2">
-            <a:schemeClr val="accent1">
-              <a:shade val="15000"/>
-            </a:schemeClr>
-          </a:lnRef>
-          <a:fillRef idx="1">
-            <a:schemeClr val="accent1"/>
-          </a:fillRef>
-          <a:effectRef idx="0">
-            <a:schemeClr val="accent1"/>
-          </a:effectRef>
-          <a:fontRef idx="minor">
-            <a:schemeClr val="lt1"/>
-          </a:fontRef>
-        </p:style>
-        <p:txBody>
-          <a:bodyPr rtlCol="0" anchor="ctr"/>
-          <a:lstStyle/>
-          <a:p>
-            <a:pPr algn="ctr"/>
-            <a:endParaRPr lang="en-US"/>
-          </a:p>
-        </p:txBody>
-      </p:sp>
-      <p:sp>
-        <p:nvSpPr>
-          <p:cNvPr id="8" name="Oval 7">
-            <a:extLst>
-              <a:ext uri="{FF2B5EF4-FFF2-40B4-BE49-F238E27FC236}">
-                <a16:creationId xmlns:a16="http://schemas.microsoft.com/office/drawing/2014/main" id="{761E5F56-5DA7-6DA8-98EF-1EA895E621ED}"/>
-              </a:ext>
-            </a:extLst>
-          </p:cNvPr>
-          <p:cNvSpPr/>
-          <p:nvPr/>
-        </p:nvSpPr>
-        <p:spPr>
-          <a:xfrm>
-            <a:off x="3347742" y="1368698"/>
-            <a:ext cx="186152" cy="186152"/>
-          </a:xfrm>
-          <a:prstGeom prst="ellipse">
-            <a:avLst/>
-          </a:prstGeom>
-          <a:solidFill>
-            <a:schemeClr val="accent2">
-              <a:lumMod val="60000"/>
-              <a:lumOff val="40000"/>
-            </a:schemeClr>
-          </a:solidFill>
-        </p:spPr>
-        <p:style>
-          <a:lnRef idx="2">
-            <a:schemeClr val="accent1">
-              <a:shade val="15000"/>
-            </a:schemeClr>
-          </a:lnRef>
-          <a:fillRef idx="1">
-            <a:schemeClr val="accent1"/>
-          </a:fillRef>
-          <a:effectRef idx="0">
-            <a:schemeClr val="accent1"/>
-          </a:effectRef>
-          <a:fontRef idx="minor">
-            <a:schemeClr val="lt1"/>
-          </a:fontRef>
-        </p:style>
-        <p:txBody>
-          <a:bodyPr rtlCol="0" anchor="ctr"/>
-          <a:lstStyle/>
-          <a:p>
-            <a:pPr algn="ctr"/>
-            <a:endParaRPr lang="en-US"/>
-          </a:p>
-        </p:txBody>
-      </p:sp>
-      <p:sp>
-        <p:nvSpPr>
-          <p:cNvPr id="9" name="Oval 8">
-            <a:extLst>
-              <a:ext uri="{FF2B5EF4-FFF2-40B4-BE49-F238E27FC236}">
-                <a16:creationId xmlns:a16="http://schemas.microsoft.com/office/drawing/2014/main" id="{EFEC3851-6562-9ED7-80E2-6A487A8BEEBF}"/>
-              </a:ext>
-            </a:extLst>
-          </p:cNvPr>
-          <p:cNvSpPr/>
-          <p:nvPr/>
-        </p:nvSpPr>
-        <p:spPr>
-          <a:xfrm>
-            <a:off x="4315305" y="1377040"/>
-            <a:ext cx="186152" cy="186152"/>
-          </a:xfrm>
-          <a:prstGeom prst="ellipse">
-            <a:avLst/>
-          </a:prstGeom>
-          <a:solidFill>
-            <a:schemeClr val="accent2">
-              <a:lumMod val="60000"/>
-              <a:lumOff val="40000"/>
-            </a:schemeClr>
-          </a:solidFill>
-        </p:spPr>
-        <p:style>
-          <a:lnRef idx="2">
-            <a:schemeClr val="accent1">
-              <a:shade val="15000"/>
-            </a:schemeClr>
-          </a:lnRef>
-          <a:fillRef idx="1">
-            <a:schemeClr val="accent1"/>
-          </a:fillRef>
-          <a:effectRef idx="0">
-            <a:schemeClr val="accent1"/>
-          </a:effectRef>
-          <a:fontRef idx="minor">
-            <a:schemeClr val="lt1"/>
-          </a:fontRef>
-        </p:style>
-        <p:txBody>
-          <a:bodyPr rtlCol="0" anchor="ctr"/>
-          <a:lstStyle/>
-          <a:p>
-            <a:pPr algn="ctr"/>
-            <a:endParaRPr lang="en-US"/>
-          </a:p>
-        </p:txBody>
-      </p:sp>
-      <p:sp>
-        <p:nvSpPr>
-          <p:cNvPr id="10" name="Rectangle 9">
-            <a:extLst>
-              <a:ext uri="{FF2B5EF4-FFF2-40B4-BE49-F238E27FC236}">
-                <a16:creationId xmlns:a16="http://schemas.microsoft.com/office/drawing/2014/main" id="{6A185BC4-501E-7F3E-6711-D4933BF08935}"/>
-              </a:ext>
-            </a:extLst>
-          </p:cNvPr>
-          <p:cNvSpPr/>
-          <p:nvPr/>
-        </p:nvSpPr>
-        <p:spPr>
-          <a:xfrm rot="5400000">
-            <a:off x="1831769" y="1657652"/>
-            <a:ext cx="4114800" cy="2743200"/>
+            <a:off x="2444338" y="2947537"/>
+            <a:ext cx="1089556" cy="646331"/>
           </a:xfrm>
           <a:prstGeom prst="rect">
             <a:avLst/>
           </a:prstGeom>
           <a:noFill/>
-          <a:ln>
-            <a:solidFill>
-              <a:schemeClr val="tx1"/>
-            </a:solidFill>
-          </a:ln>
-        </p:spPr>
-        <p:style>
-          <a:lnRef idx="2">
-            <a:schemeClr val="accent6"/>
-          </a:lnRef>
-          <a:fillRef idx="1">
-            <a:schemeClr val="lt1"/>
-          </a:fillRef>
-          <a:effectRef idx="0">
-            <a:schemeClr val="accent6"/>
-          </a:effectRef>
-          <a:fontRef idx="minor">
-            <a:schemeClr val="dk1"/>
-          </a:fontRef>
-        </p:style>
-        <p:txBody>
-          <a:bodyPr rtlCol="0" anchor="ctr"/>
+        </p:spPr>
+        <p:txBody>
+          <a:bodyPr wrap="square" rtlCol="0">
+            <a:spAutoFit/>
+          </a:bodyPr>
           <a:lstStyle/>
           <a:p>
             <a:pPr algn="ctr"/>
-            <a:endParaRPr lang="en-US"/>
-          </a:p>
-        </p:txBody>
-      </p:sp>
-      <p:sp>
-        <p:nvSpPr>
-          <p:cNvPr id="11" name="Oval 10">
-            <a:extLst>
-              <a:ext uri="{FF2B5EF4-FFF2-40B4-BE49-F238E27FC236}">
-                <a16:creationId xmlns:a16="http://schemas.microsoft.com/office/drawing/2014/main" id="{BA81717B-51CE-AED2-8B66-A0C0B1ED5DA7}"/>
-              </a:ext>
-            </a:extLst>
-          </p:cNvPr>
-          <p:cNvSpPr/>
-          <p:nvPr/>
-        </p:nvSpPr>
-        <p:spPr>
-          <a:xfrm>
-            <a:off x="3854021" y="4536021"/>
-            <a:ext cx="186152" cy="186152"/>
-          </a:xfrm>
-          <a:prstGeom prst="ellipse">
-            <a:avLst/>
-          </a:prstGeom>
-          <a:solidFill>
-            <a:schemeClr val="accent2">
-              <a:lumMod val="60000"/>
-              <a:lumOff val="40000"/>
-            </a:schemeClr>
-          </a:solidFill>
-        </p:spPr>
-        <p:style>
-          <a:lnRef idx="2">
-            <a:schemeClr val="accent1">
-              <a:shade val="15000"/>
-            </a:schemeClr>
-          </a:lnRef>
-          <a:fillRef idx="1">
-            <a:schemeClr val="accent1"/>
-          </a:fillRef>
-          <a:effectRef idx="0">
-            <a:schemeClr val="accent1"/>
-          </a:effectRef>
-          <a:fontRef idx="minor">
-            <a:schemeClr val="lt1"/>
-          </a:fontRef>
-        </p:style>
-        <p:txBody>
-          <a:bodyPr rtlCol="0" anchor="ctr"/>
-          <a:lstStyle/>
-          <a:p>
-            <a:pPr algn="ctr"/>
-            <a:endParaRPr lang="en-US"/>
-          </a:p>
-        </p:txBody>
-      </p:sp>
-      <p:sp>
-        <p:nvSpPr>
-          <p:cNvPr id="12" name="Oval 11">
-            <a:extLst>
-              <a:ext uri="{FF2B5EF4-FFF2-40B4-BE49-F238E27FC236}">
-                <a16:creationId xmlns:a16="http://schemas.microsoft.com/office/drawing/2014/main" id="{F5C0D3E5-952B-2956-8C03-B1533B31931E}"/>
-              </a:ext>
-            </a:extLst>
-          </p:cNvPr>
-          <p:cNvSpPr/>
-          <p:nvPr/>
-        </p:nvSpPr>
-        <p:spPr>
-          <a:xfrm>
-            <a:off x="3854021" y="3690124"/>
-            <a:ext cx="186152" cy="186152"/>
-          </a:xfrm>
-          <a:prstGeom prst="ellipse">
-            <a:avLst/>
-          </a:prstGeom>
-          <a:solidFill>
-            <a:schemeClr val="accent4">
-              <a:lumMod val="50000"/>
-            </a:schemeClr>
-          </a:solidFill>
-        </p:spPr>
-        <p:style>
-          <a:lnRef idx="2">
-            <a:schemeClr val="accent1">
-              <a:shade val="15000"/>
-            </a:schemeClr>
-          </a:lnRef>
-          <a:fillRef idx="1">
-            <a:schemeClr val="accent1"/>
-          </a:fillRef>
-          <a:effectRef idx="0">
-            <a:schemeClr val="accent1"/>
-          </a:effectRef>
-          <a:fontRef idx="minor">
-            <a:schemeClr val="lt1"/>
-          </a:fontRef>
-        </p:style>
-        <p:txBody>
-          <a:bodyPr rtlCol="0" anchor="ctr"/>
-          <a:lstStyle/>
-          <a:p>
-            <a:pPr algn="ctr"/>
-            <a:endParaRPr lang="en-US"/>
-          </a:p>
-        </p:txBody>
-      </p:sp>
-      <p:sp>
-        <p:nvSpPr>
-          <p:cNvPr id="13" name="Oval 12">
-            <a:extLst>
-              <a:ext uri="{FF2B5EF4-FFF2-40B4-BE49-F238E27FC236}">
-                <a16:creationId xmlns:a16="http://schemas.microsoft.com/office/drawing/2014/main" id="{18149C80-7B0A-FF74-45F3-CAB013B3A1DA}"/>
-              </a:ext>
-            </a:extLst>
-          </p:cNvPr>
-          <p:cNvSpPr/>
-          <p:nvPr/>
-        </p:nvSpPr>
-        <p:spPr>
-          <a:xfrm>
-            <a:off x="3097958" y="1919906"/>
-            <a:ext cx="1658679" cy="776177"/>
-          </a:xfrm>
-          <a:prstGeom prst="ellipse">
-            <a:avLst/>
-          </a:prstGeom>
-          <a:noFill/>
-          <a:ln>
-            <a:prstDash val="sysDash"/>
-          </a:ln>
-        </p:spPr>
-        <p:style>
-          <a:lnRef idx="2">
-            <a:schemeClr val="accent1">
-              <a:shade val="15000"/>
-            </a:schemeClr>
-          </a:lnRef>
-          <a:fillRef idx="1">
-            <a:schemeClr val="accent1"/>
-          </a:fillRef>
-          <a:effectRef idx="0">
-            <a:schemeClr val="accent1"/>
-          </a:effectRef>
-          <a:fontRef idx="minor">
-            <a:schemeClr val="lt1"/>
-          </a:fontRef>
-        </p:style>
-        <p:txBody>
-          <a:bodyPr rtlCol="0" anchor="ctr"/>
-          <a:lstStyle/>
-          <a:p>
-            <a:pPr algn="ctr"/>
-            <a:endParaRPr lang="en-US"/>
-          </a:p>
-        </p:txBody>
-      </p:sp>
-      <p:sp>
-        <p:nvSpPr>
-          <p:cNvPr id="14" name="Oval 13">
-            <a:extLst>
-              <a:ext uri="{FF2B5EF4-FFF2-40B4-BE49-F238E27FC236}">
-                <a16:creationId xmlns:a16="http://schemas.microsoft.com/office/drawing/2014/main" id="{6B94CCF3-2435-09A3-A7D1-8C6F4A0ECA6E}"/>
-              </a:ext>
-            </a:extLst>
-          </p:cNvPr>
-          <p:cNvSpPr/>
-          <p:nvPr/>
-        </p:nvSpPr>
-        <p:spPr>
-          <a:xfrm>
-            <a:off x="3076694" y="1092619"/>
-            <a:ext cx="1658679" cy="776177"/>
-          </a:xfrm>
-          <a:prstGeom prst="ellipse">
-            <a:avLst/>
-          </a:prstGeom>
-          <a:noFill/>
-          <a:ln>
-            <a:prstDash val="sysDash"/>
-          </a:ln>
-        </p:spPr>
-        <p:style>
-          <a:lnRef idx="2">
-            <a:schemeClr val="accent1">
-              <a:shade val="15000"/>
-            </a:schemeClr>
-          </a:lnRef>
-          <a:fillRef idx="1">
-            <a:schemeClr val="accent1"/>
-          </a:fillRef>
-          <a:effectRef idx="0">
-            <a:schemeClr val="accent1"/>
-          </a:effectRef>
-          <a:fontRef idx="minor">
-            <a:schemeClr val="lt1"/>
-          </a:fontRef>
-        </p:style>
-        <p:txBody>
-          <a:bodyPr rtlCol="0" anchor="ctr"/>
-          <a:lstStyle/>
-          <a:p>
-            <a:pPr algn="ctr"/>
-            <a:endParaRPr lang="en-US"/>
-          </a:p>
-        </p:txBody>
-      </p:sp>
-      <p:sp>
-        <p:nvSpPr>
-          <p:cNvPr id="15" name="TextBox 14">
-            <a:extLst>
-              <a:ext uri="{FF2B5EF4-FFF2-40B4-BE49-F238E27FC236}">
-                <a16:creationId xmlns:a16="http://schemas.microsoft.com/office/drawing/2014/main" id="{6BBD4994-745A-1525-D367-656B68B45C69}"/>
+            <a:r>
+              <a:rPr lang="en-US" dirty="0"/>
+              <a:t>Partition S</a:t>
+            </a:r>
+            <a:r>
+              <a:rPr lang="en-US" baseline="-25000" dirty="0"/>
+              <a:t>2</a:t>
+            </a:r>
+          </a:p>
+        </p:txBody>
+      </p:sp>
+      <p:sp>
+        <p:nvSpPr>
+          <p:cNvPr id="23" name="TextBox 22">
+            <a:extLst>
+              <a:ext uri="{FF2B5EF4-FFF2-40B4-BE49-F238E27FC236}">
+                <a16:creationId xmlns:a16="http://schemas.microsoft.com/office/drawing/2014/main" id="{728E5CE2-003D-9EBA-4BEF-C4E76EFFA3AE}"/>
               </a:ext>
             </a:extLst>
           </p:cNvPr>
@@ -3970,8 +4201,8 @@
         </p:nvSpPr>
         <p:spPr>
           <a:xfrm>
-            <a:off x="2444338" y="2947537"/>
-            <a:ext cx="945464" cy="584775"/>
+            <a:off x="4294991" y="2947536"/>
+            <a:ext cx="1089556" cy="646331"/>
           </a:xfrm>
           <a:prstGeom prst="rect">
             <a:avLst/>
@@ -3986,122 +4217,22 @@
           <a:p>
             <a:pPr algn="ctr"/>
             <a:r>
-              <a:rPr lang="en-US" sz="1600" dirty="0"/>
+              <a:rPr lang="en-US" dirty="0"/>
               <a:t>Partition S</a:t>
             </a:r>
             <a:r>
-              <a:rPr lang="en-US" sz="1600" baseline="-25000" dirty="0"/>
-              <a:t>2</a:t>
-            </a:r>
-          </a:p>
-        </p:txBody>
-      </p:sp>
-      <p:sp>
-        <p:nvSpPr>
-          <p:cNvPr id="16" name="Oval 15">
-            <a:extLst>
-              <a:ext uri="{FF2B5EF4-FFF2-40B4-BE49-F238E27FC236}">
-                <a16:creationId xmlns:a16="http://schemas.microsoft.com/office/drawing/2014/main" id="{3721A7EF-6EF3-C816-F4D7-43C65048B58D}"/>
-              </a:ext>
-            </a:extLst>
-          </p:cNvPr>
-          <p:cNvSpPr/>
-          <p:nvPr/>
-        </p:nvSpPr>
-        <p:spPr>
-          <a:xfrm>
-            <a:off x="3443817" y="4232993"/>
-            <a:ext cx="1057639" cy="830997"/>
-          </a:xfrm>
-          <a:prstGeom prst="ellipse">
-            <a:avLst/>
-          </a:prstGeom>
-          <a:noFill/>
-          <a:ln>
-            <a:prstDash val="sysDash"/>
-          </a:ln>
-        </p:spPr>
-        <p:style>
-          <a:lnRef idx="2">
-            <a:schemeClr val="accent1">
-              <a:shade val="15000"/>
-            </a:schemeClr>
-          </a:lnRef>
-          <a:fillRef idx="1">
-            <a:schemeClr val="accent1"/>
-          </a:fillRef>
-          <a:effectRef idx="0">
-            <a:schemeClr val="accent1"/>
-          </a:effectRef>
-          <a:fontRef idx="minor">
-            <a:schemeClr val="lt1"/>
-          </a:fontRef>
-        </p:style>
-        <p:txBody>
-          <a:bodyPr rtlCol="0" anchor="ctr"/>
-          <a:lstStyle/>
-          <a:p>
-            <a:pPr algn="ctr"/>
-            <a:endParaRPr lang="en-US"/>
-          </a:p>
-        </p:txBody>
-      </p:sp>
-      <p:sp>
-        <p:nvSpPr>
-          <p:cNvPr id="17" name="Oval 16">
-            <a:extLst>
-              <a:ext uri="{FF2B5EF4-FFF2-40B4-BE49-F238E27FC236}">
-                <a16:creationId xmlns:a16="http://schemas.microsoft.com/office/drawing/2014/main" id="{28DAE456-6BB9-ECCB-42F6-D362197A83C8}"/>
-              </a:ext>
-            </a:extLst>
-          </p:cNvPr>
-          <p:cNvSpPr/>
-          <p:nvPr/>
-        </p:nvSpPr>
-        <p:spPr>
-          <a:xfrm>
-            <a:off x="3443817" y="3410766"/>
-            <a:ext cx="1057639" cy="830997"/>
-          </a:xfrm>
-          <a:prstGeom prst="ellipse">
-            <a:avLst/>
-          </a:prstGeom>
-          <a:noFill/>
-          <a:ln>
-            <a:prstDash val="sysDash"/>
-          </a:ln>
-        </p:spPr>
-        <p:style>
-          <a:lnRef idx="2">
-            <a:schemeClr val="accent1">
-              <a:shade val="15000"/>
-            </a:schemeClr>
-          </a:lnRef>
-          <a:fillRef idx="1">
-            <a:schemeClr val="accent1"/>
-          </a:fillRef>
-          <a:effectRef idx="0">
-            <a:schemeClr val="accent1"/>
-          </a:effectRef>
-          <a:fontRef idx="minor">
-            <a:schemeClr val="lt1"/>
-          </a:fontRef>
-        </p:style>
-        <p:txBody>
-          <a:bodyPr rtlCol="0" anchor="ctr"/>
-          <a:lstStyle/>
-          <a:p>
-            <a:pPr algn="ctr"/>
-            <a:endParaRPr lang="en-US"/>
-          </a:p>
-        </p:txBody>
-      </p:sp>
-      <p:sp>
-        <p:nvSpPr>
-          <p:cNvPr id="23" name="TextBox 22">
-            <a:extLst>
-              <a:ext uri="{FF2B5EF4-FFF2-40B4-BE49-F238E27FC236}">
-                <a16:creationId xmlns:a16="http://schemas.microsoft.com/office/drawing/2014/main" id="{728E5CE2-003D-9EBA-4BEF-C4E76EFFA3AE}"/>
+              <a:rPr lang="en-US" baseline="-25000" dirty="0"/>
+              <a:t>1</a:t>
+            </a:r>
+          </a:p>
+        </p:txBody>
+      </p:sp>
+      <p:sp>
+        <p:nvSpPr>
+          <p:cNvPr id="35" name="TextBox 34">
+            <a:extLst>
+              <a:ext uri="{FF2B5EF4-FFF2-40B4-BE49-F238E27FC236}">
+                <a16:creationId xmlns:a16="http://schemas.microsoft.com/office/drawing/2014/main" id="{4D6BE801-029C-83BB-78AD-C588BF77770F}"/>
               </a:ext>
             </a:extLst>
           </p:cNvPr>
@@ -4110,8 +4241,8 @@
         </p:nvSpPr>
         <p:spPr>
           <a:xfrm>
-            <a:off x="4394479" y="2947536"/>
-            <a:ext cx="945464" cy="584775"/>
+            <a:off x="3097958" y="1500350"/>
+            <a:ext cx="1637415" cy="369332"/>
           </a:xfrm>
           <a:prstGeom prst="rect">
             <a:avLst/>
@@ -4126,22 +4257,22 @@
           <a:p>
             <a:pPr algn="ctr"/>
             <a:r>
-              <a:rPr lang="en-US" sz="1600" dirty="0"/>
-              <a:t>Partition S</a:t>
-            </a:r>
-            <a:r>
-              <a:rPr lang="en-US" sz="1600" baseline="-25000" dirty="0"/>
-              <a:t>1</a:t>
-            </a:r>
-          </a:p>
-        </p:txBody>
-      </p:sp>
-      <p:sp>
-        <p:nvSpPr>
-          <p:cNvPr id="35" name="TextBox 34">
-            <a:extLst>
-              <a:ext uri="{FF2B5EF4-FFF2-40B4-BE49-F238E27FC236}">
-                <a16:creationId xmlns:a16="http://schemas.microsoft.com/office/drawing/2014/main" id="{4D6BE801-029C-83BB-78AD-C588BF77770F}"/>
+              <a:rPr lang="en-US" dirty="0"/>
+              <a:t>C</a:t>
+            </a:r>
+            <a:r>
+              <a:rPr lang="en-US" baseline="-25000" dirty="0"/>
+              <a:t>a</a:t>
+            </a:r>
+          </a:p>
+        </p:txBody>
+      </p:sp>
+      <p:sp>
+        <p:nvSpPr>
+          <p:cNvPr id="44" name="TextBox 43">
+            <a:extLst>
+              <a:ext uri="{FF2B5EF4-FFF2-40B4-BE49-F238E27FC236}">
+                <a16:creationId xmlns:a16="http://schemas.microsoft.com/office/drawing/2014/main" id="{6372C5FC-1BA5-C50B-D396-85CAA3FDFDEF}"/>
               </a:ext>
             </a:extLst>
           </p:cNvPr>
@@ -4150,8 +4281,8 @@
         </p:nvSpPr>
         <p:spPr>
           <a:xfrm>
-            <a:off x="3097958" y="1500350"/>
-            <a:ext cx="1637415" cy="338554"/>
+            <a:off x="3097958" y="2311332"/>
+            <a:ext cx="1637415" cy="369332"/>
           </a:xfrm>
           <a:prstGeom prst="rect">
             <a:avLst/>
@@ -4166,19 +4297,23 @@
           <a:p>
             <a:pPr algn="ctr"/>
             <a:r>
-              <a:rPr lang="en-US" sz="1600" dirty="0"/>
-              <a:t>Cluster: a</a:t>
-            </a:r>
-            <a:endParaRPr lang="en-US" sz="1600" baseline="-25000" dirty="0"/>
-          </a:p>
-        </p:txBody>
-      </p:sp>
-      <p:sp>
-        <p:nvSpPr>
-          <p:cNvPr id="44" name="TextBox 43">
-            <a:extLst>
-              <a:ext uri="{FF2B5EF4-FFF2-40B4-BE49-F238E27FC236}">
-                <a16:creationId xmlns:a16="http://schemas.microsoft.com/office/drawing/2014/main" id="{6372C5FC-1BA5-C50B-D396-85CAA3FDFDEF}"/>
+              <a:rPr lang="en-US" dirty="0" err="1"/>
+              <a:t>C</a:t>
+            </a:r>
+            <a:r>
+              <a:rPr lang="en-US" baseline="-25000" dirty="0" err="1"/>
+              <a:t>b</a:t>
+            </a:r>
+            <a:endParaRPr lang="en-US" baseline="-25000" dirty="0"/>
+          </a:p>
+        </p:txBody>
+      </p:sp>
+      <p:sp>
+        <p:nvSpPr>
+          <p:cNvPr id="45" name="TextBox 44">
+            <a:extLst>
+              <a:ext uri="{FF2B5EF4-FFF2-40B4-BE49-F238E27FC236}">
+                <a16:creationId xmlns:a16="http://schemas.microsoft.com/office/drawing/2014/main" id="{4BFF0F48-3765-645C-1F46-0AD08E49BDF7}"/>
               </a:ext>
             </a:extLst>
           </p:cNvPr>
@@ -4187,8 +4322,8 @@
         </p:nvSpPr>
         <p:spPr>
           <a:xfrm>
-            <a:off x="3097958" y="2355936"/>
-            <a:ext cx="1637415" cy="338554"/>
+            <a:off x="3288592" y="3832101"/>
+            <a:ext cx="1368090" cy="369332"/>
           </a:xfrm>
           <a:prstGeom prst="rect">
             <a:avLst/>
@@ -4203,19 +4338,23 @@
           <a:p>
             <a:pPr algn="ctr"/>
             <a:r>
-              <a:rPr lang="en-US" sz="1600" dirty="0"/>
-              <a:t>Cluster: b</a:t>
-            </a:r>
-            <a:endParaRPr lang="en-US" sz="1600" baseline="-25000" dirty="0"/>
-          </a:p>
-        </p:txBody>
-      </p:sp>
-      <p:sp>
-        <p:nvSpPr>
-          <p:cNvPr id="45" name="TextBox 44">
-            <a:extLst>
-              <a:ext uri="{FF2B5EF4-FFF2-40B4-BE49-F238E27FC236}">
-                <a16:creationId xmlns:a16="http://schemas.microsoft.com/office/drawing/2014/main" id="{4BFF0F48-3765-645C-1F46-0AD08E49BDF7}"/>
+              <a:rPr lang="en-US" dirty="0" err="1"/>
+              <a:t>C</a:t>
+            </a:r>
+            <a:r>
+              <a:rPr lang="en-US" baseline="-25000" dirty="0" err="1"/>
+              <a:t>b</a:t>
+            </a:r>
+            <a:endParaRPr lang="en-US" baseline="-25000" dirty="0"/>
+          </a:p>
+        </p:txBody>
+      </p:sp>
+      <p:sp>
+        <p:nvSpPr>
+          <p:cNvPr id="49" name="TextBox 48">
+            <a:extLst>
+              <a:ext uri="{FF2B5EF4-FFF2-40B4-BE49-F238E27FC236}">
+                <a16:creationId xmlns:a16="http://schemas.microsoft.com/office/drawing/2014/main" id="{77FFCD03-38DD-F7AF-186C-F798899738A1}"/>
               </a:ext>
             </a:extLst>
           </p:cNvPr>
@@ -4224,8 +4363,8 @@
         </p:nvSpPr>
         <p:spPr>
           <a:xfrm>
-            <a:off x="3288592" y="3832101"/>
-            <a:ext cx="1368090" cy="338554"/>
+            <a:off x="3146227" y="4655806"/>
+            <a:ext cx="1637415" cy="369332"/>
           </a:xfrm>
           <a:prstGeom prst="rect">
             <a:avLst/>
@@ -4240,47 +4379,13 @@
           <a:p>
             <a:pPr algn="ctr"/>
             <a:r>
-              <a:rPr lang="en-US" sz="1600" dirty="0"/>
-              <a:t>Cluster: b</a:t>
-            </a:r>
-            <a:endParaRPr lang="en-US" sz="1600" baseline="-25000" dirty="0"/>
-          </a:p>
-        </p:txBody>
-      </p:sp>
-      <p:sp>
-        <p:nvSpPr>
-          <p:cNvPr id="49" name="TextBox 48">
-            <a:extLst>
-              <a:ext uri="{FF2B5EF4-FFF2-40B4-BE49-F238E27FC236}">
-                <a16:creationId xmlns:a16="http://schemas.microsoft.com/office/drawing/2014/main" id="{77FFCD03-38DD-F7AF-186C-F798899738A1}"/>
-              </a:ext>
-            </a:extLst>
-          </p:cNvPr>
-          <p:cNvSpPr txBox="1"/>
-          <p:nvPr/>
-        </p:nvSpPr>
-        <p:spPr>
-          <a:xfrm>
-            <a:off x="3146227" y="4655806"/>
-            <a:ext cx="1637415" cy="338554"/>
-          </a:xfrm>
-          <a:prstGeom prst="rect">
-            <a:avLst/>
-          </a:prstGeom>
-          <a:noFill/>
-        </p:spPr>
-        <p:txBody>
-          <a:bodyPr wrap="square" rtlCol="0">
-            <a:spAutoFit/>
-          </a:bodyPr>
-          <a:lstStyle/>
-          <a:p>
-            <a:pPr algn="ctr"/>
-            <a:r>
-              <a:rPr lang="en-US" sz="1600" dirty="0"/>
-              <a:t>Cluster: a</a:t>
-            </a:r>
-            <a:endParaRPr lang="en-US" sz="1600" baseline="-25000" dirty="0"/>
+              <a:rPr lang="en-US" dirty="0"/>
+              <a:t>C</a:t>
+            </a:r>
+            <a:r>
+              <a:rPr lang="en-US" baseline="-25000" dirty="0"/>
+              <a:t>a</a:t>
+            </a:r>
           </a:p>
         </p:txBody>
       </p:sp>
@@ -4294,15 +4399,16 @@
             </a:extLst>
           </p:cNvPr>
           <p:cNvCxnSpPr>
+            <a:cxnSpLocks/>
             <a:stCxn id="23" idx="0"/>
-            <a:endCxn id="14" idx="6"/>
+            <a:endCxn id="34" idx="6"/>
           </p:cNvCxnSpPr>
           <p:nvPr/>
         </p:nvCxnSpPr>
         <p:spPr>
           <a:xfrm rot="16200000" flipV="1">
-            <a:off x="4067878" y="2148203"/>
-            <a:ext cx="1466828" cy="131838"/>
+            <a:off x="4036031" y="2143797"/>
+            <a:ext cx="1463653" cy="143825"/>
           </a:xfrm>
           <a:prstGeom prst="bentConnector2">
             <a:avLst/>
@@ -4341,14 +4447,13 @@
           <p:cNvCxnSpPr>
             <a:cxnSpLocks/>
             <a:stCxn id="23" idx="2"/>
-            <a:endCxn id="17" idx="6"/>
           </p:cNvCxnSpPr>
           <p:nvPr/>
         </p:nvCxnSpPr>
         <p:spPr>
           <a:xfrm rot="5400000">
-            <a:off x="4537357" y="3496411"/>
-            <a:ext cx="293954" cy="365755"/>
+            <a:off x="4576717" y="3563213"/>
+            <a:ext cx="232399" cy="293706"/>
           </a:xfrm>
           <a:prstGeom prst="bentConnector2">
             <a:avLst/>
@@ -4387,14 +4492,14 @@
           <p:cNvCxnSpPr>
             <a:cxnSpLocks/>
             <a:stCxn id="15" idx="2"/>
-            <a:endCxn id="16" idx="2"/>
+            <a:endCxn id="31" idx="2"/>
           </p:cNvCxnSpPr>
           <p:nvPr/>
         </p:nvCxnSpPr>
         <p:spPr>
           <a:xfrm rot="16200000" flipH="1">
-            <a:off x="2622353" y="3827028"/>
-            <a:ext cx="1116180" cy="526747"/>
+            <a:off x="2728268" y="3854716"/>
+            <a:ext cx="1017689" cy="495992"/>
           </a:xfrm>
           <a:prstGeom prst="bentConnector2">
             <a:avLst/>
@@ -4433,14 +4538,14 @@
           <p:cNvCxnSpPr>
             <a:cxnSpLocks/>
             <a:stCxn id="15" idx="0"/>
-            <a:endCxn id="13" idx="2"/>
+            <a:endCxn id="33" idx="2"/>
           </p:cNvCxnSpPr>
           <p:nvPr/>
         </p:nvCxnSpPr>
         <p:spPr>
           <a:xfrm rot="5400000" flipH="1" flipV="1">
-            <a:off x="2687743" y="2537322"/>
-            <a:ext cx="639542" cy="180888"/>
+            <a:off x="2733291" y="2582870"/>
+            <a:ext cx="620492" cy="108842"/>
           </a:xfrm>
           <a:prstGeom prst="bentConnector2">
             <a:avLst/>
@@ -4481,7 +4586,7 @@
         </p:nvSpPr>
         <p:spPr>
           <a:xfrm>
-            <a:off x="6862028" y="2214592"/>
+            <a:off x="6435629" y="2214592"/>
             <a:ext cx="186152" cy="186152"/>
           </a:xfrm>
           <a:prstGeom prst="ellipse">
@@ -4532,7 +4637,7 @@
         </p:nvSpPr>
         <p:spPr>
           <a:xfrm>
-            <a:off x="7829591" y="2222934"/>
+            <a:off x="7403192" y="2222934"/>
             <a:ext cx="186152" cy="186152"/>
           </a:xfrm>
           <a:prstGeom prst="ellipse">
@@ -4583,7 +4688,7 @@
         </p:nvSpPr>
         <p:spPr>
           <a:xfrm>
-            <a:off x="6862028" y="1368698"/>
+            <a:off x="6435629" y="1368698"/>
             <a:ext cx="186152" cy="186152"/>
           </a:xfrm>
           <a:prstGeom prst="ellipse">
@@ -4635,7 +4740,7 @@
         </p:nvSpPr>
         <p:spPr>
           <a:xfrm>
-            <a:off x="7829591" y="1377040"/>
+            <a:off x="7403192" y="1377040"/>
             <a:ext cx="186152" cy="186152"/>
           </a:xfrm>
           <a:prstGeom prst="ellipse">
@@ -4687,7 +4792,7 @@
         </p:nvSpPr>
         <p:spPr>
           <a:xfrm rot="5400000">
-            <a:off x="5346055" y="1657652"/>
+            <a:off x="4919656" y="1657652"/>
             <a:ext cx="4114800" cy="2743200"/>
           </a:xfrm>
           <a:prstGeom prst="rect">
@@ -4737,7 +4842,7 @@
         </p:nvSpPr>
         <p:spPr>
           <a:xfrm>
-            <a:off x="7368307" y="4536021"/>
+            <a:off x="6941908" y="4536021"/>
             <a:ext cx="186152" cy="186152"/>
           </a:xfrm>
           <a:prstGeom prst="ellipse">
@@ -4789,7 +4894,7 @@
         </p:nvSpPr>
         <p:spPr>
           <a:xfrm>
-            <a:off x="7368307" y="3690124"/>
+            <a:off x="6941908" y="3690124"/>
             <a:ext cx="186152" cy="186152"/>
           </a:xfrm>
           <a:prstGeom prst="ellipse">
@@ -4840,8 +4945,8 @@
         </p:nvSpPr>
         <p:spPr>
           <a:xfrm>
-            <a:off x="6640567" y="2947536"/>
-            <a:ext cx="1637415" cy="338554"/>
+            <a:off x="6214168" y="2947536"/>
+            <a:ext cx="1637415" cy="369332"/>
           </a:xfrm>
           <a:prstGeom prst="rect">
             <a:avLst/>
@@ -4856,10 +4961,14 @@
           <a:p>
             <a:pPr algn="ctr"/>
             <a:r>
-              <a:rPr lang="en-US" sz="1600" dirty="0"/>
-              <a:t>Cluster: b</a:t>
-            </a:r>
-            <a:endParaRPr lang="en-US" sz="1600" baseline="-25000" dirty="0"/>
+              <a:rPr lang="en-US" dirty="0" err="1"/>
+              <a:t>C</a:t>
+            </a:r>
+            <a:r>
+              <a:rPr lang="en-US" baseline="-25000" dirty="0" err="1"/>
+              <a:t>b</a:t>
+            </a:r>
+            <a:endParaRPr lang="en-US" baseline="-25000" dirty="0"/>
           </a:p>
         </p:txBody>
       </p:sp>
@@ -4877,8 +4986,8 @@
         </p:nvSpPr>
         <p:spPr>
           <a:xfrm>
-            <a:off x="6632444" y="4641758"/>
-            <a:ext cx="1637415" cy="338554"/>
+            <a:off x="5709997" y="4473588"/>
+            <a:ext cx="1637415" cy="369332"/>
           </a:xfrm>
           <a:prstGeom prst="rect">
             <a:avLst/>
@@ -4893,10 +5002,13 @@
           <a:p>
             <a:pPr algn="ctr"/>
             <a:r>
-              <a:rPr lang="en-US" sz="1600" dirty="0"/>
-              <a:t>Cluster: a</a:t>
-            </a:r>
-            <a:endParaRPr lang="en-US" sz="1600" baseline="-25000" dirty="0"/>
+              <a:rPr lang="en-US" dirty="0"/>
+              <a:t>C</a:t>
+            </a:r>
+            <a:r>
+              <a:rPr lang="en-US" baseline="-25000" dirty="0"/>
+              <a:t>a</a:t>
+            </a:r>
           </a:p>
         </p:txBody>
       </p:sp>
@@ -4914,12 +5026,104 @@
         </p:nvSpPr>
         <p:spPr>
           <a:xfrm>
-            <a:off x="5260769" y="2787219"/>
-            <a:ext cx="771086" cy="320634"/>
+            <a:off x="5266019" y="2787219"/>
+            <a:ext cx="328015" cy="320634"/>
           </a:xfrm>
           <a:prstGeom prst="rightArrow">
             <a:avLst/>
           </a:prstGeom>
+        </p:spPr>
+        <p:style>
+          <a:lnRef idx="2">
+            <a:schemeClr val="dk1">
+              <a:shade val="15000"/>
+            </a:schemeClr>
+          </a:lnRef>
+          <a:fillRef idx="1">
+            <a:schemeClr val="dk1"/>
+          </a:fillRef>
+          <a:effectRef idx="0">
+            <a:schemeClr val="dk1"/>
+          </a:effectRef>
+          <a:fontRef idx="minor">
+            <a:schemeClr val="lt1"/>
+          </a:fontRef>
+        </p:style>
+        <p:txBody>
+          <a:bodyPr rtlCol="0" anchor="ctr"/>
+          <a:lstStyle/>
+          <a:p>
+            <a:pPr algn="ctr"/>
+            <a:endParaRPr lang="en-US"/>
+          </a:p>
+        </p:txBody>
+      </p:sp>
+      <p:sp>
+        <p:nvSpPr>
+          <p:cNvPr id="143" name="TextBox 142">
+            <a:extLst>
+              <a:ext uri="{FF2B5EF4-FFF2-40B4-BE49-F238E27FC236}">
+                <a16:creationId xmlns:a16="http://schemas.microsoft.com/office/drawing/2014/main" id="{A7BE49FB-3792-203A-1466-D7770524002D}"/>
+              </a:ext>
+            </a:extLst>
+          </p:cNvPr>
+          <p:cNvSpPr txBox="1"/>
+          <p:nvPr/>
+        </p:nvSpPr>
+        <p:spPr>
+          <a:xfrm rot="5400000" flipV="1">
+            <a:off x="4523429" y="1694871"/>
+            <a:ext cx="1815365" cy="369332"/>
+          </a:xfrm>
+          <a:prstGeom prst="rect">
+            <a:avLst/>
+          </a:prstGeom>
+          <a:noFill/>
+        </p:spPr>
+        <p:txBody>
+          <a:bodyPr wrap="square" rtlCol="0">
+            <a:spAutoFit/>
+          </a:bodyPr>
+          <a:lstStyle/>
+          <a:p>
+            <a:pPr algn="ctr"/>
+            <a:r>
+              <a:rPr lang="en-US" dirty="0"/>
+              <a:t>Naïve </a:t>
+            </a:r>
+            <a:r>
+              <a:rPr lang="en-US" dirty="0" err="1"/>
+              <a:t>Concat</a:t>
+            </a:r>
+            <a:endParaRPr lang="en-US" baseline="-25000" dirty="0"/>
+          </a:p>
+        </p:txBody>
+      </p:sp>
+      <p:sp>
+        <p:nvSpPr>
+          <p:cNvPr id="36" name="Oval 35">
+            <a:extLst>
+              <a:ext uri="{FF2B5EF4-FFF2-40B4-BE49-F238E27FC236}">
+                <a16:creationId xmlns:a16="http://schemas.microsoft.com/office/drawing/2014/main" id="{3DEAFFC1-D560-5AE3-B5EA-65E455B81B0B}"/>
+              </a:ext>
+            </a:extLst>
+          </p:cNvPr>
+          <p:cNvSpPr/>
+          <p:nvPr/>
+        </p:nvSpPr>
+        <p:spPr>
+          <a:xfrm>
+            <a:off x="3347742" y="2230467"/>
+            <a:ext cx="186152" cy="186152"/>
+          </a:xfrm>
+          <a:prstGeom prst="ellipse">
+            <a:avLst/>
+          </a:prstGeom>
+          <a:solidFill>
+            <a:schemeClr val="accent4">
+              <a:lumMod val="50000"/>
+            </a:schemeClr>
+          </a:solidFill>
         </p:spPr>
         <p:style>
           <a:lnRef idx="2">
@@ -4948,46 +5152,309 @@
       </p:sp>
       <p:sp>
         <p:nvSpPr>
-          <p:cNvPr id="143" name="TextBox 142">
-            <a:extLst>
-              <a:ext uri="{FF2B5EF4-FFF2-40B4-BE49-F238E27FC236}">
-                <a16:creationId xmlns:a16="http://schemas.microsoft.com/office/drawing/2014/main" id="{A7BE49FB-3792-203A-1466-D7770524002D}"/>
-              </a:ext>
-            </a:extLst>
-          </p:cNvPr>
-          <p:cNvSpPr txBox="1"/>
+          <p:cNvPr id="37" name="Oval 36">
+            <a:extLst>
+              <a:ext uri="{FF2B5EF4-FFF2-40B4-BE49-F238E27FC236}">
+                <a16:creationId xmlns:a16="http://schemas.microsoft.com/office/drawing/2014/main" id="{183A2217-180B-AE11-9C79-FB113A0C6C36}"/>
+              </a:ext>
+            </a:extLst>
+          </p:cNvPr>
+          <p:cNvSpPr/>
           <p:nvPr/>
         </p:nvSpPr>
         <p:spPr>
           <a:xfrm>
-            <a:off x="5188127" y="1967423"/>
-            <a:ext cx="935853" cy="584775"/>
+            <a:off x="4315305" y="2229284"/>
+            <a:ext cx="186152" cy="186152"/>
+          </a:xfrm>
+          <a:prstGeom prst="ellipse">
+            <a:avLst/>
+          </a:prstGeom>
+          <a:solidFill>
+            <a:schemeClr val="accent4">
+              <a:lumMod val="50000"/>
+            </a:schemeClr>
+          </a:solidFill>
+        </p:spPr>
+        <p:style>
+          <a:lnRef idx="2">
+            <a:schemeClr val="accent1">
+              <a:shade val="15000"/>
+            </a:schemeClr>
+          </a:lnRef>
+          <a:fillRef idx="1">
+            <a:schemeClr val="accent1"/>
+          </a:fillRef>
+          <a:effectRef idx="0">
+            <a:schemeClr val="accent1"/>
+          </a:effectRef>
+          <a:fontRef idx="minor">
+            <a:schemeClr val="lt1"/>
+          </a:fontRef>
+        </p:style>
+        <p:txBody>
+          <a:bodyPr rtlCol="0" anchor="ctr"/>
+          <a:lstStyle/>
+          <a:p>
+            <a:pPr algn="ctr"/>
+            <a:endParaRPr lang="en-US"/>
+          </a:p>
+        </p:txBody>
+      </p:sp>
+      <p:sp>
+        <p:nvSpPr>
+          <p:cNvPr id="38" name="Oval 37">
+            <a:extLst>
+              <a:ext uri="{FF2B5EF4-FFF2-40B4-BE49-F238E27FC236}">
+                <a16:creationId xmlns:a16="http://schemas.microsoft.com/office/drawing/2014/main" id="{30A087F5-29F1-DB57-7181-060158473616}"/>
+              </a:ext>
+            </a:extLst>
+          </p:cNvPr>
+          <p:cNvSpPr/>
+          <p:nvPr/>
+        </p:nvSpPr>
+        <p:spPr>
+          <a:xfrm>
+            <a:off x="3439817" y="1390923"/>
+            <a:ext cx="186152" cy="186152"/>
+          </a:xfrm>
+          <a:prstGeom prst="ellipse">
+            <a:avLst/>
+          </a:prstGeom>
+          <a:solidFill>
+            <a:schemeClr val="accent2">
+              <a:lumMod val="60000"/>
+              <a:lumOff val="40000"/>
+            </a:schemeClr>
+          </a:solidFill>
+        </p:spPr>
+        <p:style>
+          <a:lnRef idx="2">
+            <a:schemeClr val="accent1">
+              <a:shade val="15000"/>
+            </a:schemeClr>
+          </a:lnRef>
+          <a:fillRef idx="1">
+            <a:schemeClr val="accent1"/>
+          </a:fillRef>
+          <a:effectRef idx="0">
+            <a:schemeClr val="accent1"/>
+          </a:effectRef>
+          <a:fontRef idx="minor">
+            <a:schemeClr val="lt1"/>
+          </a:fontRef>
+        </p:style>
+        <p:txBody>
+          <a:bodyPr rtlCol="0" anchor="ctr"/>
+          <a:lstStyle/>
+          <a:p>
+            <a:pPr algn="ctr"/>
+            <a:endParaRPr lang="en-US"/>
+          </a:p>
+        </p:txBody>
+      </p:sp>
+      <p:sp>
+        <p:nvSpPr>
+          <p:cNvPr id="39" name="Oval 38">
+            <a:extLst>
+              <a:ext uri="{FF2B5EF4-FFF2-40B4-BE49-F238E27FC236}">
+                <a16:creationId xmlns:a16="http://schemas.microsoft.com/office/drawing/2014/main" id="{B37F26BF-91FB-D3FD-3A56-070F38CDED14}"/>
+              </a:ext>
+            </a:extLst>
+          </p:cNvPr>
+          <p:cNvSpPr/>
+          <p:nvPr/>
+        </p:nvSpPr>
+        <p:spPr>
+          <a:xfrm>
+            <a:off x="4258155" y="1389740"/>
+            <a:ext cx="186152" cy="186152"/>
+          </a:xfrm>
+          <a:prstGeom prst="ellipse">
+            <a:avLst/>
+          </a:prstGeom>
+          <a:solidFill>
+            <a:schemeClr val="accent2">
+              <a:lumMod val="60000"/>
+              <a:lumOff val="40000"/>
+            </a:schemeClr>
+          </a:solidFill>
+        </p:spPr>
+        <p:style>
+          <a:lnRef idx="2">
+            <a:schemeClr val="accent1">
+              <a:shade val="15000"/>
+            </a:schemeClr>
+          </a:lnRef>
+          <a:fillRef idx="1">
+            <a:schemeClr val="accent1"/>
+          </a:fillRef>
+          <a:effectRef idx="0">
+            <a:schemeClr val="accent1"/>
+          </a:effectRef>
+          <a:fontRef idx="minor">
+            <a:schemeClr val="lt1"/>
+          </a:fontRef>
+        </p:style>
+        <p:txBody>
+          <a:bodyPr rtlCol="0" anchor="ctr"/>
+          <a:lstStyle/>
+          <a:p>
+            <a:pPr algn="ctr"/>
+            <a:endParaRPr lang="en-US"/>
+          </a:p>
+        </p:txBody>
+      </p:sp>
+      <p:sp>
+        <p:nvSpPr>
+          <p:cNvPr id="40" name="Rectangle 39">
+            <a:extLst>
+              <a:ext uri="{FF2B5EF4-FFF2-40B4-BE49-F238E27FC236}">
+                <a16:creationId xmlns:a16="http://schemas.microsoft.com/office/drawing/2014/main" id="{CE3A87EF-9C3C-7DA4-0BB8-0B144DB5279F}"/>
+              </a:ext>
+            </a:extLst>
+          </p:cNvPr>
+          <p:cNvSpPr/>
+          <p:nvPr/>
+        </p:nvSpPr>
+        <p:spPr>
+          <a:xfrm rot="5400000">
+            <a:off x="1831769" y="1657652"/>
+            <a:ext cx="4114800" cy="2743200"/>
           </a:xfrm>
           <a:prstGeom prst="rect">
             <a:avLst/>
           </a:prstGeom>
           <a:noFill/>
-        </p:spPr>
-        <p:txBody>
-          <a:bodyPr wrap="square" rtlCol="0">
-            <a:spAutoFit/>
-          </a:bodyPr>
+          <a:ln>
+            <a:solidFill>
+              <a:schemeClr val="tx1"/>
+            </a:solidFill>
+          </a:ln>
+        </p:spPr>
+        <p:style>
+          <a:lnRef idx="2">
+            <a:schemeClr val="accent6"/>
+          </a:lnRef>
+          <a:fillRef idx="1">
+            <a:schemeClr val="lt1"/>
+          </a:fillRef>
+          <a:effectRef idx="0">
+            <a:schemeClr val="accent6"/>
+          </a:effectRef>
+          <a:fontRef idx="minor">
+            <a:schemeClr val="dk1"/>
+          </a:fontRef>
+        </p:style>
+        <p:txBody>
+          <a:bodyPr rtlCol="0" anchor="ctr"/>
           <a:lstStyle/>
           <a:p>
             <a:pPr algn="ctr"/>
-            <a:r>
-              <a:rPr lang="en-US" sz="1600" dirty="0"/>
-              <a:t>Naïve</a:t>
-            </a:r>
-            <a:r>
-              <a:rPr lang="en-US" sz="1200" dirty="0"/>
-              <a:t> </a:t>
-            </a:r>
-            <a:r>
-              <a:rPr lang="en-US" sz="1600" dirty="0" err="1"/>
-              <a:t>Concat</a:t>
-            </a:r>
-            <a:endParaRPr lang="en-US" sz="1200" baseline="-25000" dirty="0"/>
+            <a:endParaRPr lang="en-US"/>
+          </a:p>
+        </p:txBody>
+      </p:sp>
+      <p:sp>
+        <p:nvSpPr>
+          <p:cNvPr id="41" name="Oval 40">
+            <a:extLst>
+              <a:ext uri="{FF2B5EF4-FFF2-40B4-BE49-F238E27FC236}">
+                <a16:creationId xmlns:a16="http://schemas.microsoft.com/office/drawing/2014/main" id="{76648FE7-5384-2BFF-57AB-438FA3C21E42}"/>
+              </a:ext>
+            </a:extLst>
+          </p:cNvPr>
+          <p:cNvSpPr/>
+          <p:nvPr/>
+        </p:nvSpPr>
+        <p:spPr>
+          <a:xfrm>
+            <a:off x="3831796" y="4520146"/>
+            <a:ext cx="186152" cy="186152"/>
+          </a:xfrm>
+          <a:prstGeom prst="ellipse">
+            <a:avLst/>
+          </a:prstGeom>
+          <a:solidFill>
+            <a:schemeClr val="accent2">
+              <a:lumMod val="60000"/>
+              <a:lumOff val="40000"/>
+            </a:schemeClr>
+          </a:solidFill>
+        </p:spPr>
+        <p:style>
+          <a:lnRef idx="2">
+            <a:schemeClr val="accent1">
+              <a:shade val="15000"/>
+            </a:schemeClr>
+          </a:lnRef>
+          <a:fillRef idx="1">
+            <a:schemeClr val="accent1"/>
+          </a:fillRef>
+          <a:effectRef idx="0">
+            <a:schemeClr val="accent1"/>
+          </a:effectRef>
+          <a:fontRef idx="minor">
+            <a:schemeClr val="lt1"/>
+          </a:fontRef>
+        </p:style>
+        <p:txBody>
+          <a:bodyPr rtlCol="0" anchor="ctr"/>
+          <a:lstStyle/>
+          <a:p>
+            <a:pPr algn="ctr"/>
+            <a:endParaRPr lang="en-US"/>
+          </a:p>
+        </p:txBody>
+      </p:sp>
+      <p:sp>
+        <p:nvSpPr>
+          <p:cNvPr id="42" name="Oval 41">
+            <a:extLst>
+              <a:ext uri="{FF2B5EF4-FFF2-40B4-BE49-F238E27FC236}">
+                <a16:creationId xmlns:a16="http://schemas.microsoft.com/office/drawing/2014/main" id="{B14205AC-CCDF-0AE7-56DB-905314AEDA26}"/>
+              </a:ext>
+            </a:extLst>
+          </p:cNvPr>
+          <p:cNvSpPr/>
+          <p:nvPr/>
+        </p:nvSpPr>
+        <p:spPr>
+          <a:xfrm>
+            <a:off x="3831796" y="3718699"/>
+            <a:ext cx="186152" cy="186152"/>
+          </a:xfrm>
+          <a:prstGeom prst="ellipse">
+            <a:avLst/>
+          </a:prstGeom>
+          <a:solidFill>
+            <a:schemeClr val="accent4">
+              <a:lumMod val="50000"/>
+            </a:schemeClr>
+          </a:solidFill>
+        </p:spPr>
+        <p:style>
+          <a:lnRef idx="2">
+            <a:schemeClr val="accent1">
+              <a:shade val="15000"/>
+            </a:schemeClr>
+          </a:lnRef>
+          <a:fillRef idx="1">
+            <a:schemeClr val="accent1"/>
+          </a:fillRef>
+          <a:effectRef idx="0">
+            <a:schemeClr val="accent1"/>
+          </a:effectRef>
+          <a:fontRef idx="minor">
+            <a:schemeClr val="lt1"/>
+          </a:fontRef>
+        </p:style>
+        <p:txBody>
+          <a:bodyPr rtlCol="0" anchor="ctr"/>
+          <a:lstStyle/>
+          <a:p>
+            <a:pPr algn="ctr"/>
+            <a:endParaRPr lang="en-US"/>
           </a:p>
         </p:txBody>
       </p:sp>
@@ -5317,4 +5784,319 @@
     </a:ext>
   </a:extLst>
 </a:theme>
+</file>
+
+<file path=ppt/theme/theme2.xml><?xml version="1.0" encoding="utf-8"?>
+<a:theme xmlns:a="http://schemas.openxmlformats.org/drawingml/2006/main" name="Office Theme">
+  <a:themeElements>
+    <a:clrScheme name="Office">
+      <a:dk1>
+        <a:sysClr val="windowText" lastClr="000000"/>
+      </a:dk1>
+      <a:lt1>
+        <a:sysClr val="window" lastClr="FFFFFF"/>
+      </a:lt1>
+      <a:dk2>
+        <a:srgbClr val="0E2841"/>
+      </a:dk2>
+      <a:lt2>
+        <a:srgbClr val="E8E8E8"/>
+      </a:lt2>
+      <a:accent1>
+        <a:srgbClr val="156082"/>
+      </a:accent1>
+      <a:accent2>
+        <a:srgbClr val="E97132"/>
+      </a:accent2>
+      <a:accent3>
+        <a:srgbClr val="196B24"/>
+      </a:accent3>
+      <a:accent4>
+        <a:srgbClr val="0F9ED5"/>
+      </a:accent4>
+      <a:accent5>
+        <a:srgbClr val="A02B93"/>
+      </a:accent5>
+      <a:accent6>
+        <a:srgbClr val="4EA72E"/>
+      </a:accent6>
+      <a:hlink>
+        <a:srgbClr val="467886"/>
+      </a:hlink>
+      <a:folHlink>
+        <a:srgbClr val="96607D"/>
+      </a:folHlink>
+    </a:clrScheme>
+    <a:fontScheme name="Office">
+      <a:majorFont>
+        <a:latin typeface="Aptos Display" panose="02110004020202020204"/>
+        <a:ea typeface=""/>
+        <a:cs typeface=""/>
+        <a:font script="Jpan" typeface="游ゴシック Light"/>
+        <a:font script="Hang" typeface="맑은 고딕"/>
+        <a:font script="Hans" typeface="等线 Light"/>
+        <a:font script="Hant" typeface="新細明體"/>
+        <a:font script="Arab" typeface="Times New Roman"/>
+        <a:font script="Hebr" typeface="Times New Roman"/>
+        <a:font script="Thai" typeface="Angsana New"/>
+        <a:font script="Ethi" typeface="Nyala"/>
+        <a:font script="Beng" typeface="Vrinda"/>
+        <a:font script="Gujr" typeface="Shruti"/>
+        <a:font script="Khmr" typeface="MoolBoran"/>
+        <a:font script="Knda" typeface="Tunga"/>
+        <a:font script="Guru" typeface="Raavi"/>
+        <a:font script="Cans" typeface="Euphemia"/>
+        <a:font script="Cher" typeface="Plantagenet Cherokee"/>
+        <a:font script="Yiii" typeface="Microsoft Yi Baiti"/>
+        <a:font script="Tibt" typeface="Microsoft Himalaya"/>
+        <a:font script="Thaa" typeface="MV Boli"/>
+        <a:font script="Deva" typeface="Mangal"/>
+        <a:font script="Telu" typeface="Gautami"/>
+        <a:font script="Taml" typeface="Latha"/>
+        <a:font script="Syrc" typeface="Estrangelo Edessa"/>
+        <a:font script="Orya" typeface="Kalinga"/>
+        <a:font script="Mlym" typeface="Kartika"/>
+        <a:font script="Laoo" typeface="DokChampa"/>
+        <a:font script="Sinh" typeface="Iskoola Pota"/>
+        <a:font script="Mong" typeface="Mongolian Baiti"/>
+        <a:font script="Viet" typeface="Times New Roman"/>
+        <a:font script="Uigh" typeface="Microsoft Uighur"/>
+        <a:font script="Geor" typeface="Sylfaen"/>
+        <a:font script="Armn" typeface="Arial"/>
+        <a:font script="Bugi" typeface="Leelawadee UI"/>
+        <a:font script="Bopo" typeface="Microsoft JhengHei"/>
+        <a:font script="Java" typeface="Javanese Text"/>
+        <a:font script="Lisu" typeface="Segoe UI"/>
+        <a:font script="Mymr" typeface="Myanmar Text"/>
+        <a:font script="Nkoo" typeface="Ebrima"/>
+        <a:font script="Olck" typeface="Nirmala UI"/>
+        <a:font script="Osma" typeface="Ebrima"/>
+        <a:font script="Phag" typeface="Phagspa"/>
+        <a:font script="Syrn" typeface="Estrangelo Edessa"/>
+        <a:font script="Syrj" typeface="Estrangelo Edessa"/>
+        <a:font script="Syre" typeface="Estrangelo Edessa"/>
+        <a:font script="Sora" typeface="Nirmala UI"/>
+        <a:font script="Tale" typeface="Microsoft Tai Le"/>
+        <a:font script="Talu" typeface="Microsoft New Tai Lue"/>
+        <a:font script="Tfng" typeface="Ebrima"/>
+      </a:majorFont>
+      <a:minorFont>
+        <a:latin typeface="Aptos" panose="02110004020202020204"/>
+        <a:ea typeface=""/>
+        <a:cs typeface=""/>
+        <a:font script="Jpan" typeface="游ゴシック"/>
+        <a:font script="Hang" typeface="맑은 고딕"/>
+        <a:font script="Hans" typeface="等线"/>
+        <a:font script="Hant" typeface="新細明體"/>
+        <a:font script="Arab" typeface="Arial"/>
+        <a:font script="Hebr" typeface="Arial"/>
+        <a:font script="Thai" typeface="Cordia New"/>
+        <a:font script="Ethi" typeface="Nyala"/>
+        <a:font script="Beng" typeface="Vrinda"/>
+        <a:font script="Gujr" typeface="Shruti"/>
+        <a:font script="Khmr" typeface="DaunPenh"/>
+        <a:font script="Knda" typeface="Tunga"/>
+        <a:font script="Guru" typeface="Raavi"/>
+        <a:font script="Cans" typeface="Euphemia"/>
+        <a:font script="Cher" typeface="Plantagenet Cherokee"/>
+        <a:font script="Yiii" typeface="Microsoft Yi Baiti"/>
+        <a:font script="Tibt" typeface="Microsoft Himalaya"/>
+        <a:font script="Thaa" typeface="MV Boli"/>
+        <a:font script="Deva" typeface="Mangal"/>
+        <a:font script="Telu" typeface="Gautami"/>
+        <a:font script="Taml" typeface="Latha"/>
+        <a:font script="Syrc" typeface="Estrangelo Edessa"/>
+        <a:font script="Orya" typeface="Kalinga"/>
+        <a:font script="Mlym" typeface="Kartika"/>
+        <a:font script="Laoo" typeface="DokChampa"/>
+        <a:font script="Sinh" typeface="Iskoola Pota"/>
+        <a:font script="Mong" typeface="Mongolian Baiti"/>
+        <a:font script="Viet" typeface="Arial"/>
+        <a:font script="Uigh" typeface="Microsoft Uighur"/>
+        <a:font script="Geor" typeface="Sylfaen"/>
+        <a:font script="Armn" typeface="Arial"/>
+        <a:font script="Bugi" typeface="Leelawadee UI"/>
+        <a:font script="Bopo" typeface="Microsoft JhengHei"/>
+        <a:font script="Java" typeface="Javanese Text"/>
+        <a:font script="Lisu" typeface="Segoe UI"/>
+        <a:font script="Mymr" typeface="Myanmar Text"/>
+        <a:font script="Nkoo" typeface="Ebrima"/>
+        <a:font script="Olck" typeface="Nirmala UI"/>
+        <a:font script="Osma" typeface="Ebrima"/>
+        <a:font script="Phag" typeface="Phagspa"/>
+        <a:font script="Syrn" typeface="Estrangelo Edessa"/>
+        <a:font script="Syrj" typeface="Estrangelo Edessa"/>
+        <a:font script="Syre" typeface="Estrangelo Edessa"/>
+        <a:font script="Sora" typeface="Nirmala UI"/>
+        <a:font script="Tale" typeface="Microsoft Tai Le"/>
+        <a:font script="Talu" typeface="Microsoft New Tai Lue"/>
+        <a:font script="Tfng" typeface="Ebrima"/>
+      </a:minorFont>
+    </a:fontScheme>
+    <a:fmtScheme name="Office">
+      <a:fillStyleLst>
+        <a:solidFill>
+          <a:schemeClr val="phClr"/>
+        </a:solidFill>
+        <a:gradFill rotWithShape="1">
+          <a:gsLst>
+            <a:gs pos="0">
+              <a:schemeClr val="phClr">
+                <a:lumMod val="110000"/>
+                <a:satMod val="105000"/>
+                <a:tint val="67000"/>
+              </a:schemeClr>
+            </a:gs>
+            <a:gs pos="50000">
+              <a:schemeClr val="phClr">
+                <a:lumMod val="105000"/>
+                <a:satMod val="103000"/>
+                <a:tint val="73000"/>
+              </a:schemeClr>
+            </a:gs>
+            <a:gs pos="100000">
+              <a:schemeClr val="phClr">
+                <a:lumMod val="105000"/>
+                <a:satMod val="109000"/>
+                <a:tint val="81000"/>
+              </a:schemeClr>
+            </a:gs>
+          </a:gsLst>
+          <a:lin ang="5400000" scaled="0"/>
+        </a:gradFill>
+        <a:gradFill rotWithShape="1">
+          <a:gsLst>
+            <a:gs pos="0">
+              <a:schemeClr val="phClr">
+                <a:satMod val="103000"/>
+                <a:lumMod val="102000"/>
+                <a:tint val="94000"/>
+              </a:schemeClr>
+            </a:gs>
+            <a:gs pos="50000">
+              <a:schemeClr val="phClr">
+                <a:satMod val="110000"/>
+                <a:lumMod val="100000"/>
+                <a:shade val="100000"/>
+              </a:schemeClr>
+            </a:gs>
+            <a:gs pos="100000">
+              <a:schemeClr val="phClr">
+                <a:lumMod val="99000"/>
+                <a:satMod val="120000"/>
+                <a:shade val="78000"/>
+              </a:schemeClr>
+            </a:gs>
+          </a:gsLst>
+          <a:lin ang="5400000" scaled="0"/>
+        </a:gradFill>
+      </a:fillStyleLst>
+      <a:lnStyleLst>
+        <a:ln w="12700" cap="flat" cmpd="sng" algn="ctr">
+          <a:solidFill>
+            <a:schemeClr val="phClr"/>
+          </a:solidFill>
+          <a:prstDash val="solid"/>
+          <a:miter lim="800000"/>
+        </a:ln>
+        <a:ln w="19050" cap="flat" cmpd="sng" algn="ctr">
+          <a:solidFill>
+            <a:schemeClr val="phClr"/>
+          </a:solidFill>
+          <a:prstDash val="solid"/>
+          <a:miter lim="800000"/>
+        </a:ln>
+        <a:ln w="25400" cap="flat" cmpd="sng" algn="ctr">
+          <a:solidFill>
+            <a:schemeClr val="phClr"/>
+          </a:solidFill>
+          <a:prstDash val="solid"/>
+          <a:miter lim="800000"/>
+        </a:ln>
+      </a:lnStyleLst>
+      <a:effectStyleLst>
+        <a:effectStyle>
+          <a:effectLst/>
+        </a:effectStyle>
+        <a:effectStyle>
+          <a:effectLst/>
+        </a:effectStyle>
+        <a:effectStyle>
+          <a:effectLst>
+            <a:outerShdw blurRad="57150" dist="19050" dir="5400000" algn="ctr" rotWithShape="0">
+              <a:srgbClr val="000000">
+                <a:alpha val="63000"/>
+              </a:srgbClr>
+            </a:outerShdw>
+          </a:effectLst>
+        </a:effectStyle>
+      </a:effectStyleLst>
+      <a:bgFillStyleLst>
+        <a:solidFill>
+          <a:schemeClr val="phClr"/>
+        </a:solidFill>
+        <a:solidFill>
+          <a:schemeClr val="phClr">
+            <a:tint val="95000"/>
+            <a:satMod val="170000"/>
+          </a:schemeClr>
+        </a:solidFill>
+        <a:gradFill rotWithShape="1">
+          <a:gsLst>
+            <a:gs pos="0">
+              <a:schemeClr val="phClr">
+                <a:tint val="93000"/>
+                <a:satMod val="150000"/>
+                <a:shade val="98000"/>
+                <a:lumMod val="102000"/>
+              </a:schemeClr>
+            </a:gs>
+            <a:gs pos="50000">
+              <a:schemeClr val="phClr">
+                <a:tint val="98000"/>
+                <a:satMod val="130000"/>
+                <a:shade val="90000"/>
+                <a:lumMod val="103000"/>
+              </a:schemeClr>
+            </a:gs>
+            <a:gs pos="100000">
+              <a:schemeClr val="phClr">
+                <a:shade val="63000"/>
+                <a:satMod val="120000"/>
+              </a:schemeClr>
+            </a:gs>
+          </a:gsLst>
+          <a:lin ang="5400000" scaled="0"/>
+        </a:gradFill>
+      </a:bgFillStyleLst>
+    </a:fmtScheme>
+  </a:themeElements>
+  <a:objectDefaults>
+    <a:lnDef>
+      <a:spPr/>
+      <a:bodyPr/>
+      <a:lstStyle/>
+      <a:style>
+        <a:lnRef idx="2">
+          <a:schemeClr val="accent1"/>
+        </a:lnRef>
+        <a:fillRef idx="0">
+          <a:schemeClr val="accent1"/>
+        </a:fillRef>
+        <a:effectRef idx="1">
+          <a:schemeClr val="accent1"/>
+        </a:effectRef>
+        <a:fontRef idx="minor">
+          <a:schemeClr val="tx1"/>
+        </a:fontRef>
+      </a:style>
+    </a:lnDef>
+  </a:objectDefaults>
+  <a:extraClrSchemeLst/>
+  <a:extLst>
+    <a:ext uri="{05A4C25C-085E-4340-85A3-A5531E510DB2}">
+      <thm15:themeFamily xmlns:thm15="http://schemas.microsoft.com/office/thememl/2012/main" name="Office Theme" id="{2E142A2C-CD16-42D6-873A-C26D2A0506FA}" vid="{1BDDFF52-6CD6-40A5-AB3C-68EB2F1E4D0A}"/>
+    </a:ext>
+  </a:extLst>
+</a:theme>
 </file>
--- a/Figures/MergeCluster/Naive.pptx
+++ b/Figures/MergeCluster/Naive.pptx
@@ -208,7 +208,7 @@
           <a:p>
             <a:fld id="{9999FDBC-ED07-6843-B789-AF26C1B2E814}" type="datetimeFigureOut">
               <a:rPr lang="en-US" smtClean="0"/>
-              <a:t>3/12/24</a:t>
+              <a:t>3/25/24</a:t>
             </a:fld>
             <a:endParaRPr lang="en-US"/>
           </a:p>
@@ -706,7 +706,7 @@
           <a:p>
             <a:fld id="{A998DA84-98B5-DD46-882D-8C2847B204BE}" type="datetimeFigureOut">
               <a:rPr lang="en-US" smtClean="0"/>
-              <a:t>3/12/24</a:t>
+              <a:t>3/25/24</a:t>
             </a:fld>
             <a:endParaRPr lang="en-US"/>
           </a:p>
@@ -904,7 +904,7 @@
           <a:p>
             <a:fld id="{A998DA84-98B5-DD46-882D-8C2847B204BE}" type="datetimeFigureOut">
               <a:rPr lang="en-US" smtClean="0"/>
-              <a:t>3/12/24</a:t>
+              <a:t>3/25/24</a:t>
             </a:fld>
             <a:endParaRPr lang="en-US"/>
           </a:p>
@@ -1112,7 +1112,7 @@
           <a:p>
             <a:fld id="{A998DA84-98B5-DD46-882D-8C2847B204BE}" type="datetimeFigureOut">
               <a:rPr lang="en-US" smtClean="0"/>
-              <a:t>3/12/24</a:t>
+              <a:t>3/25/24</a:t>
             </a:fld>
             <a:endParaRPr lang="en-US"/>
           </a:p>
@@ -1310,7 +1310,7 @@
           <a:p>
             <a:fld id="{A998DA84-98B5-DD46-882D-8C2847B204BE}" type="datetimeFigureOut">
               <a:rPr lang="en-US" smtClean="0"/>
-              <a:t>3/12/24</a:t>
+              <a:t>3/25/24</a:t>
             </a:fld>
             <a:endParaRPr lang="en-US"/>
           </a:p>
@@ -1585,7 +1585,7 @@
           <a:p>
             <a:fld id="{A998DA84-98B5-DD46-882D-8C2847B204BE}" type="datetimeFigureOut">
               <a:rPr lang="en-US" smtClean="0"/>
-              <a:t>3/12/24</a:t>
+              <a:t>3/25/24</a:t>
             </a:fld>
             <a:endParaRPr lang="en-US"/>
           </a:p>
@@ -1850,7 +1850,7 @@
           <a:p>
             <a:fld id="{A998DA84-98B5-DD46-882D-8C2847B204BE}" type="datetimeFigureOut">
               <a:rPr lang="en-US" smtClean="0"/>
-              <a:t>3/12/24</a:t>
+              <a:t>3/25/24</a:t>
             </a:fld>
             <a:endParaRPr lang="en-US"/>
           </a:p>
@@ -2262,7 +2262,7 @@
           <a:p>
             <a:fld id="{A998DA84-98B5-DD46-882D-8C2847B204BE}" type="datetimeFigureOut">
               <a:rPr lang="en-US" smtClean="0"/>
-              <a:t>3/12/24</a:t>
+              <a:t>3/25/24</a:t>
             </a:fld>
             <a:endParaRPr lang="en-US"/>
           </a:p>
@@ -2403,7 +2403,7 @@
           <a:p>
             <a:fld id="{A998DA84-98B5-DD46-882D-8C2847B204BE}" type="datetimeFigureOut">
               <a:rPr lang="en-US" smtClean="0"/>
-              <a:t>3/12/24</a:t>
+              <a:t>3/25/24</a:t>
             </a:fld>
             <a:endParaRPr lang="en-US"/>
           </a:p>
@@ -2516,7 +2516,7 @@
           <a:p>
             <a:fld id="{A998DA84-98B5-DD46-882D-8C2847B204BE}" type="datetimeFigureOut">
               <a:rPr lang="en-US" smtClean="0"/>
-              <a:t>3/12/24</a:t>
+              <a:t>3/25/24</a:t>
             </a:fld>
             <a:endParaRPr lang="en-US"/>
           </a:p>
@@ -2827,7 +2827,7 @@
           <a:p>
             <a:fld id="{A998DA84-98B5-DD46-882D-8C2847B204BE}" type="datetimeFigureOut">
               <a:rPr lang="en-US" smtClean="0"/>
-              <a:t>3/12/24</a:t>
+              <a:t>3/25/24</a:t>
             </a:fld>
             <a:endParaRPr lang="en-US"/>
           </a:p>
@@ -3115,7 +3115,7 @@
           <a:p>
             <a:fld id="{A998DA84-98B5-DD46-882D-8C2847B204BE}" type="datetimeFigureOut">
               <a:rPr lang="en-US" smtClean="0"/>
-              <a:t>3/12/24</a:t>
+              <a:t>3/25/24</a:t>
             </a:fld>
             <a:endParaRPr lang="en-US"/>
           </a:p>
@@ -3356,7 +3356,7 @@
           <a:p>
             <a:fld id="{A998DA84-98B5-DD46-882D-8C2847B204BE}" type="datetimeFigureOut">
               <a:rPr lang="en-US" smtClean="0"/>
-              <a:t>3/12/24</a:t>
+              <a:t>3/25/24</a:t>
             </a:fld>
             <a:endParaRPr lang="en-US"/>
           </a:p>
@@ -4447,13 +4447,14 @@
           <p:cNvCxnSpPr>
             <a:cxnSpLocks/>
             <a:stCxn id="23" idx="2"/>
+            <a:endCxn id="32" idx="6"/>
           </p:cNvCxnSpPr>
           <p:nvPr/>
         </p:nvCxnSpPr>
         <p:spPr>
           <a:xfrm rot="5400000">
-            <a:off x="4576717" y="3563213"/>
-            <a:ext cx="232399" cy="293706"/>
+            <a:off x="4492982" y="3464768"/>
+            <a:ext cx="217688" cy="475887"/>
           </a:xfrm>
           <a:prstGeom prst="bentConnector2">
             <a:avLst/>
